--- a/9. HTML 5, CSS3 with Bootstrap 4, JavaScript ES6/2. CSS3/Slides/5. Borders/css3-m5-borders-slides.pptx
+++ b/9. HTML 5, CSS3 with Bootstrap 4, JavaScript ES6/2. CSS3/Slides/5. Borders/css3-m5-borders-slides.pptx
@@ -5,21 +5,21 @@
     <p:sldMasterId id="2147483648" r:id="rId1"/>
   </p:sldMasterIdLst>
   <p:notesMasterIdLst>
-    <p:notesMasterId r:id="rId14"/>
+    <p:notesMasterId r:id="rId15"/>
   </p:notesMasterIdLst>
   <p:sldIdLst>
-    <p:sldId id="256" r:id="rId2"/>
-    <p:sldId id="257" r:id="rId3"/>
-    <p:sldId id="258" r:id="rId4"/>
-    <p:sldId id="259" r:id="rId5"/>
-    <p:sldId id="260" r:id="rId6"/>
-    <p:sldId id="261" r:id="rId7"/>
-    <p:sldId id="262" r:id="rId8"/>
-    <p:sldId id="263" r:id="rId9"/>
-    <p:sldId id="264" r:id="rId10"/>
-    <p:sldId id="265" r:id="rId11"/>
-    <p:sldId id="266" r:id="rId12"/>
-    <p:sldId id="267" r:id="rId13"/>
+    <p:sldId id="256" r:id="rId3"/>
+    <p:sldId id="257" r:id="rId4"/>
+    <p:sldId id="258" r:id="rId5"/>
+    <p:sldId id="259" r:id="rId6"/>
+    <p:sldId id="260" r:id="rId7"/>
+    <p:sldId id="261" r:id="rId8"/>
+    <p:sldId id="262" r:id="rId9"/>
+    <p:sldId id="263" r:id="rId10"/>
+    <p:sldId id="264" r:id="rId11"/>
+    <p:sldId id="265" r:id="rId12"/>
+    <p:sldId id="266" r:id="rId13"/>
+    <p:sldId id="267" r:id="rId14"/>
   </p:sldIdLst>
   <p:sldSz cx="9144000" cy="6858000" type="screen4x3"/>
   <p:notesSz cx="9144000" cy="6858000"/>
@@ -203,8 +203,6 @@
           <a:p>
             <a:fld id="{06BBA022-E27C-4EDF-953E-C3212E46CC76}" type="datetimeFigureOut">
               <a:rPr lang="en-US" smtClean="0"/>
-              <a:pPr/>
-              <a:t>7/18/2021</a:t>
             </a:fld>
             <a:endParaRPr lang="en-US"/>
           </a:p>
@@ -273,6 +271,7 @@
               <a:rPr lang="en-US" smtClean="0"/>
               <a:t>Click to edit Master text styles</a:t>
             </a:r>
+            <a:endParaRPr lang="en-US" smtClean="0"/>
           </a:p>
           <a:p>
             <a:pPr lvl="1"/>
@@ -280,6 +279,7 @@
               <a:rPr lang="en-US" smtClean="0"/>
               <a:t>Second level</a:t>
             </a:r>
+            <a:endParaRPr lang="en-US" smtClean="0"/>
           </a:p>
           <a:p>
             <a:pPr lvl="2"/>
@@ -287,6 +287,7 @@
               <a:rPr lang="en-US" smtClean="0"/>
               <a:t>Third level</a:t>
             </a:r>
+            <a:endParaRPr lang="en-US" smtClean="0"/>
           </a:p>
           <a:p>
             <a:pPr lvl="3"/>
@@ -294,6 +295,7 @@
               <a:rPr lang="en-US" smtClean="0"/>
               <a:t>Fourth level</a:t>
             </a:r>
+            <a:endParaRPr lang="en-US" smtClean="0"/>
           </a:p>
           <a:p>
             <a:pPr lvl="4"/>
@@ -365,8 +367,6 @@
           <a:p>
             <a:fld id="{1863AAE5-2F30-44B8-9F77-1BA4F61E80F9}" type="slidenum">
               <a:rPr lang="en-US" smtClean="0"/>
-              <a:pPr/>
-              <a:t>‹#›</a:t>
             </a:fld>
             <a:endParaRPr lang="en-US"/>
           </a:p>
@@ -516,14 +516,12 @@
                 <a:solidFill>
                   <a:schemeClr val="tx1"/>
                 </a:solidFill>
-                <a:latin typeface="Arial"/>
-                <a:cs typeface="Arial"/>
+                <a:latin typeface="Arial" panose="020B0604020202020204"/>
+                <a:cs typeface="Arial" panose="020B0604020202020204"/>
               </a:defRPr>
             </a:lvl1pPr>
           </a:lstStyle>
-          <a:p>
-            <a:endParaRPr/>
-          </a:p>
+          <a:p/>
         </p:txBody>
       </p:sp>
       <p:sp>
@@ -554,9 +552,7 @@
               <a:defRPr/>
             </a:lvl1pPr>
           </a:lstStyle>
-          <a:p>
-            <a:endParaRPr/>
-          </a:p>
+          <a:p/>
         </p:txBody>
       </p:sp>
       <p:sp>
@@ -583,9 +579,7 @@
               </a:defRPr>
             </a:lvl1pPr>
           </a:lstStyle>
-          <a:p>
-            <a:endParaRPr/>
-          </a:p>
+          <a:p/>
         </p:txBody>
       </p:sp>
       <p:sp>
@@ -615,8 +609,6 @@
           <a:p>
             <a:fld id="{28E615C0-ADE5-446F-A48B-7ECC68CF88B9}" type="datetime1">
               <a:rPr lang="en-US" smtClean="0"/>
-              <a:pPr/>
-              <a:t>7/18/2021</a:t>
             </a:fld>
             <a:endParaRPr lang="en-US"/>
           </a:p>
@@ -649,8 +641,6 @@
           <a:p>
             <a:fld id="{B6F15528-21DE-4FAA-801E-634DDDAF4B2B}" type="slidenum">
               <a:rPr/>
-              <a:pPr/>
-              <a:t>‹#›</a:t>
             </a:fld>
             <a:endParaRPr/>
           </a:p>
@@ -700,14 +690,12 @@
                 <a:solidFill>
                   <a:schemeClr val="tx1"/>
                 </a:solidFill>
-                <a:latin typeface="Arial"/>
-                <a:cs typeface="Arial"/>
+                <a:latin typeface="Arial" panose="020B0604020202020204"/>
+                <a:cs typeface="Arial" panose="020B0604020202020204"/>
               </a:defRPr>
             </a:lvl1pPr>
           </a:lstStyle>
-          <a:p>
-            <a:endParaRPr/>
-          </a:p>
+          <a:p/>
         </p:txBody>
       </p:sp>
       <p:sp>
@@ -729,14 +717,12 @@
                 <a:solidFill>
                   <a:schemeClr val="tx1"/>
                 </a:solidFill>
-                <a:latin typeface="Consolas"/>
-                <a:cs typeface="Consolas"/>
+                <a:latin typeface="Consolas" panose="020B0609020204030204"/>
+                <a:cs typeface="Consolas" panose="020B0609020204030204"/>
               </a:defRPr>
             </a:lvl1pPr>
           </a:lstStyle>
-          <a:p>
-            <a:endParaRPr/>
-          </a:p>
+          <a:p/>
         </p:txBody>
       </p:sp>
       <p:sp>
@@ -763,9 +749,7 @@
               </a:defRPr>
             </a:lvl1pPr>
           </a:lstStyle>
-          <a:p>
-            <a:endParaRPr/>
-          </a:p>
+          <a:p/>
         </p:txBody>
       </p:sp>
       <p:sp>
@@ -795,8 +779,6 @@
           <a:p>
             <a:fld id="{3E7A20D5-353E-46F5-A882-465275C559C6}" type="datetime1">
               <a:rPr lang="en-US" smtClean="0"/>
-              <a:pPr/>
-              <a:t>7/18/2021</a:t>
             </a:fld>
             <a:endParaRPr lang="en-US"/>
           </a:p>
@@ -829,8 +811,6 @@
           <a:p>
             <a:fld id="{B6F15528-21DE-4FAA-801E-634DDDAF4B2B}" type="slidenum">
               <a:rPr/>
-              <a:pPr/>
-              <a:t>‹#›</a:t>
             </a:fld>
             <a:endParaRPr/>
           </a:p>
@@ -880,14 +860,12 @@
                 <a:solidFill>
                   <a:schemeClr val="tx1"/>
                 </a:solidFill>
-                <a:latin typeface="Arial"/>
-                <a:cs typeface="Arial"/>
+                <a:latin typeface="Arial" panose="020B0604020202020204"/>
+                <a:cs typeface="Arial" panose="020B0604020202020204"/>
               </a:defRPr>
             </a:lvl1pPr>
           </a:lstStyle>
-          <a:p>
-            <a:endParaRPr/>
-          </a:p>
+          <a:p/>
         </p:txBody>
       </p:sp>
       <p:sp>
@@ -918,9 +896,7 @@
               <a:defRPr/>
             </a:lvl1pPr>
           </a:lstStyle>
-          <a:p>
-            <a:endParaRPr/>
-          </a:p>
+          <a:p/>
         </p:txBody>
       </p:sp>
       <p:sp>
@@ -951,9 +927,7 @@
               <a:defRPr/>
             </a:lvl1pPr>
           </a:lstStyle>
-          <a:p>
-            <a:endParaRPr/>
-          </a:p>
+          <a:p/>
         </p:txBody>
       </p:sp>
       <p:sp>
@@ -980,9 +954,7 @@
               </a:defRPr>
             </a:lvl1pPr>
           </a:lstStyle>
-          <a:p>
-            <a:endParaRPr/>
-          </a:p>
+          <a:p/>
         </p:txBody>
       </p:sp>
       <p:sp>
@@ -1012,8 +984,6 @@
           <a:p>
             <a:fld id="{11074060-C240-48F2-B812-985AA67ACB23}" type="datetime1">
               <a:rPr lang="en-US" smtClean="0"/>
-              <a:pPr/>
-              <a:t>7/18/2021</a:t>
             </a:fld>
             <a:endParaRPr lang="en-US"/>
           </a:p>
@@ -1046,8 +1016,6 @@
           <a:p>
             <a:fld id="{B6F15528-21DE-4FAA-801E-634DDDAF4B2B}" type="slidenum">
               <a:rPr/>
-              <a:pPr/>
-              <a:t>‹#›</a:t>
             </a:fld>
             <a:endParaRPr/>
           </a:p>
@@ -1097,14 +1065,12 @@
                 <a:solidFill>
                   <a:schemeClr val="tx1"/>
                 </a:solidFill>
-                <a:latin typeface="Arial"/>
-                <a:cs typeface="Arial"/>
+                <a:latin typeface="Arial" panose="020B0604020202020204"/>
+                <a:cs typeface="Arial" panose="020B0604020202020204"/>
               </a:defRPr>
             </a:lvl1pPr>
           </a:lstStyle>
-          <a:p>
-            <a:endParaRPr/>
-          </a:p>
+          <a:p/>
         </p:txBody>
       </p:sp>
       <p:sp>
@@ -1131,9 +1097,7 @@
               </a:defRPr>
             </a:lvl1pPr>
           </a:lstStyle>
-          <a:p>
-            <a:endParaRPr/>
-          </a:p>
+          <a:p/>
         </p:txBody>
       </p:sp>
       <p:sp>
@@ -1163,8 +1127,6 @@
           <a:p>
             <a:fld id="{EB6AFA98-9B1E-4538-AC09-F6E118F087CF}" type="datetime1">
               <a:rPr lang="en-US" smtClean="0"/>
-              <a:pPr/>
-              <a:t>7/18/2021</a:t>
             </a:fld>
             <a:endParaRPr lang="en-US"/>
           </a:p>
@@ -1197,8 +1159,6 @@
           <a:p>
             <a:fld id="{B6F15528-21DE-4FAA-801E-634DDDAF4B2B}" type="slidenum">
               <a:rPr/>
-              <a:pPr/>
-              <a:t>‹#›</a:t>
             </a:fld>
             <a:endParaRPr/>
           </a:p>
@@ -1253,9 +1213,7 @@
               </a:defRPr>
             </a:lvl1pPr>
           </a:lstStyle>
-          <a:p>
-            <a:endParaRPr/>
-          </a:p>
+          <a:p/>
         </p:txBody>
       </p:sp>
       <p:sp>
@@ -1285,8 +1243,6 @@
           <a:p>
             <a:fld id="{3ABD282F-6563-450D-BE0D-BF147E9592F6}" type="datetime1">
               <a:rPr lang="en-US" smtClean="0"/>
-              <a:pPr/>
-              <a:t>7/18/2021</a:t>
             </a:fld>
             <a:endParaRPr lang="en-US"/>
           </a:p>
@@ -1319,8 +1275,6 @@
           <a:p>
             <a:fld id="{B6F15528-21DE-4FAA-801E-634DDDAF4B2B}" type="slidenum">
               <a:rPr/>
-              <a:pPr/>
-              <a:t>‹#›</a:t>
             </a:fld>
             <a:endParaRPr/>
           </a:p>
@@ -1388,14 +1342,12 @@
                 <a:solidFill>
                   <a:schemeClr val="tx1"/>
                 </a:solidFill>
-                <a:latin typeface="Arial"/>
-                <a:cs typeface="Arial"/>
+                <a:latin typeface="Arial" panose="020B0604020202020204"/>
+                <a:cs typeface="Arial" panose="020B0604020202020204"/>
               </a:defRPr>
             </a:lvl1pPr>
           </a:lstStyle>
-          <a:p>
-            <a:endParaRPr/>
-          </a:p>
+          <a:p/>
         </p:txBody>
       </p:sp>
       <p:sp>
@@ -1427,14 +1379,12 @@
                 <a:solidFill>
                   <a:schemeClr val="tx1"/>
                 </a:solidFill>
-                <a:latin typeface="Consolas"/>
-                <a:cs typeface="Consolas"/>
+                <a:latin typeface="Consolas" panose="020B0609020204030204"/>
+                <a:cs typeface="Consolas" panose="020B0609020204030204"/>
               </a:defRPr>
             </a:lvl1pPr>
           </a:lstStyle>
-          <a:p>
-            <a:endParaRPr/>
-          </a:p>
+          <a:p/>
         </p:txBody>
       </p:sp>
       <p:sp>
@@ -1471,9 +1421,7 @@
               </a:defRPr>
             </a:lvl1pPr>
           </a:lstStyle>
-          <a:p>
-            <a:endParaRPr/>
-          </a:p>
+          <a:p/>
         </p:txBody>
       </p:sp>
       <p:sp>
@@ -1513,8 +1461,6 @@
           <a:p>
             <a:fld id="{FF66206B-F661-4363-83FA-AD83C0937588}" type="datetime1">
               <a:rPr lang="en-US" smtClean="0"/>
-              <a:pPr/>
-              <a:t>7/18/2021</a:t>
             </a:fld>
             <a:endParaRPr lang="en-US"/>
           </a:p>
@@ -1557,8 +1503,6 @@
           <a:p>
             <a:fld id="{B6F15528-21DE-4FAA-801E-634DDDAF4B2B}" type="slidenum">
               <a:rPr/>
-              <a:pPr/>
-              <a:t>‹#›</a:t>
             </a:fld>
             <a:endParaRPr/>
           </a:p>
@@ -1568,11 +1512,11 @@
   </p:cSld>
   <p:clrMap bg1="lt1" tx1="dk1" bg2="lt2" tx2="dk2" accent1="accent1" accent2="accent2" accent3="accent3" accent4="accent4" accent5="accent5" accent6="accent6" hlink="hlink" folHlink="folHlink"/>
   <p:sldLayoutIdLst>
-    <p:sldLayoutId id="2147483661" r:id="rId1"/>
-    <p:sldLayoutId id="2147483662" r:id="rId2"/>
-    <p:sldLayoutId id="2147483663" r:id="rId3"/>
-    <p:sldLayoutId id="2147483664" r:id="rId4"/>
-    <p:sldLayoutId id="2147483665" r:id="rId5"/>
+    <p:sldLayoutId id="2147483649" r:id="rId1"/>
+    <p:sldLayoutId id="2147483650" r:id="rId2"/>
+    <p:sldLayoutId id="2147483651" r:id="rId3"/>
+    <p:sldLayoutId id="2147483652" r:id="rId4"/>
+    <p:sldLayoutId id="2147483653" r:id="rId5"/>
   </p:sldLayoutIdLst>
   <p:hf hdr="0" ftr="0" dt="0"/>
   <p:txStyles>
@@ -1767,14 +1711,14 @@
             </a:pPr>
             <a:r>
               <a:rPr sz="3200" b="1" dirty="0">
-                <a:latin typeface="Arial"/>
-                <a:cs typeface="Arial"/>
+                <a:latin typeface="Arial" panose="020B0604020202020204"/>
+                <a:cs typeface="Arial" panose="020B0604020202020204"/>
               </a:rPr>
               <a:t>CSS3:</a:t>
             </a:r>
             <a:endParaRPr sz="3200">
-              <a:latin typeface="Arial"/>
-              <a:cs typeface="Arial"/>
+              <a:latin typeface="Arial" panose="020B0604020202020204"/>
+              <a:cs typeface="Arial" panose="020B0604020202020204"/>
             </a:endParaRPr>
           </a:p>
           <a:p>
@@ -1785,14 +1729,14 @@
             </a:pPr>
             <a:r>
               <a:rPr sz="3200" b="1" spc="-5" dirty="0">
-                <a:latin typeface="Arial"/>
-                <a:cs typeface="Arial"/>
+                <a:latin typeface="Arial" panose="020B0604020202020204"/>
+                <a:cs typeface="Arial" panose="020B0604020202020204"/>
               </a:rPr>
               <a:t>Borders</a:t>
             </a:r>
             <a:endParaRPr sz="3200">
-              <a:latin typeface="Arial"/>
-              <a:cs typeface="Arial"/>
+              <a:latin typeface="Arial" panose="020B0604020202020204"/>
+              <a:cs typeface="Arial" panose="020B0604020202020204"/>
             </a:endParaRPr>
           </a:p>
         </p:txBody>
@@ -1806,7 +1750,7 @@
           <p:nvPr/>
         </p:nvPicPr>
         <p:blipFill>
-          <a:blip r:embed="rId2"/>
+          <a:blip r:embed="rId1"/>
           <a:srcRect/>
           <a:stretch>
             <a:fillRect/>
@@ -1847,8 +1791,6 @@
           <a:p>
             <a:fld id="{B6F15528-21DE-4FAA-801E-634DDDAF4B2B}" type="slidenum">
               <a:rPr lang="en-US" smtClean="0"/>
-              <a:pPr/>
-              <a:t>1</a:t>
             </a:fld>
             <a:endParaRPr lang="en-US"/>
           </a:p>
@@ -1932,6 +1874,7 @@
               <a:rPr spc="-5" dirty="0"/>
               <a:t>Shadows</a:t>
             </a:r>
+            <a:endParaRPr spc="-5" dirty="0"/>
           </a:p>
         </p:txBody>
       </p:sp>
@@ -1994,9 +1937,7 @@
           <p:txBody>
             <a:bodyPr wrap="square" lIns="0" tIns="0" rIns="0" bIns="0" rtlCol="0"/>
             <a:lstStyle/>
-            <a:p>
-              <a:endParaRPr/>
-            </a:p>
+            <a:p/>
           </p:txBody>
         </p:sp>
         <p:sp>
@@ -2046,9 +1987,7 @@
           <p:txBody>
             <a:bodyPr wrap="square" lIns="0" tIns="0" rIns="0" bIns="0" rtlCol="0"/>
             <a:lstStyle/>
-            <a:p>
-              <a:endParaRPr/>
-            </a:p>
+            <a:p/>
           </p:txBody>
         </p:sp>
         <p:pic>
@@ -2058,7 +1997,7 @@
             <p:nvPr/>
           </p:nvPicPr>
           <p:blipFill>
-            <a:blip r:embed="rId2" cstate="print"/>
+            <a:blip r:embed="rId1" cstate="print"/>
             <a:stretch>
               <a:fillRect/>
             </a:stretch>
@@ -2080,7 +2019,7 @@
             <p:nvPr/>
           </p:nvPicPr>
           <p:blipFill>
-            <a:blip r:embed="rId3" cstate="print"/>
+            <a:blip r:embed="rId2" cstate="print"/>
             <a:stretch>
               <a:fillRect/>
             </a:stretch>
@@ -2102,7 +2041,7 @@
             <p:nvPr/>
           </p:nvPicPr>
           <p:blipFill>
-            <a:blip r:embed="rId4" cstate="print"/>
+            <a:blip r:embed="rId3" cstate="print"/>
             <a:stretch>
               <a:fillRect/>
             </a:stretch>
@@ -2124,7 +2063,7 @@
             <p:nvPr/>
           </p:nvPicPr>
           <p:blipFill>
-            <a:blip r:embed="rId5" cstate="print"/>
+            <a:blip r:embed="rId4" cstate="print"/>
             <a:stretch>
               <a:fillRect/>
             </a:stretch>
@@ -2146,7 +2085,7 @@
             <p:nvPr/>
           </p:nvPicPr>
           <p:blipFill>
-            <a:blip r:embed="rId6" cstate="print"/>
+            <a:blip r:embed="rId5" cstate="print"/>
             <a:stretch>
               <a:fillRect/>
             </a:stretch>
@@ -2168,7 +2107,7 @@
             <p:nvPr/>
           </p:nvPicPr>
           <p:blipFill>
-            <a:blip r:embed="rId7" cstate="print"/>
+            <a:blip r:embed="rId6" cstate="print"/>
             <a:stretch>
               <a:fillRect/>
             </a:stretch>
@@ -2597,9 +2536,7 @@
           <p:txBody>
             <a:bodyPr wrap="square" lIns="0" tIns="0" rIns="0" bIns="0" rtlCol="0"/>
             <a:lstStyle/>
-            <a:p>
-              <a:endParaRPr/>
-            </a:p>
+            <a:p/>
           </p:txBody>
         </p:sp>
         <p:pic>
@@ -2609,7 +2546,7 @@
             <p:nvPr/>
           </p:nvPicPr>
           <p:blipFill>
-            <a:blip r:embed="rId8" cstate="print"/>
+            <a:blip r:embed="rId7" cstate="print"/>
             <a:stretch>
               <a:fillRect/>
             </a:stretch>
@@ -2656,14 +2593,14 @@
             </a:pPr>
             <a:r>
               <a:rPr sz="1800" spc="-155" dirty="0">
-                <a:latin typeface="Consolas"/>
-                <a:cs typeface="Consolas"/>
+                <a:latin typeface="Consolas" panose="020B0609020204030204"/>
+                <a:cs typeface="Consolas" panose="020B0609020204030204"/>
               </a:rPr>
               <a:t>box-­‐shadow:</a:t>
             </a:r>
             <a:endParaRPr sz="1800">
-              <a:latin typeface="Consolas"/>
-              <a:cs typeface="Consolas"/>
+              <a:latin typeface="Consolas" panose="020B0609020204030204"/>
+              <a:cs typeface="Consolas" panose="020B0609020204030204"/>
             </a:endParaRPr>
           </a:p>
           <a:p>
@@ -2681,29 +2618,29 @@
             </a:pPr>
             <a:r>
               <a:rPr sz="1800" dirty="0">
-                <a:latin typeface="Consolas"/>
-                <a:cs typeface="Consolas"/>
+                <a:latin typeface="Consolas" panose="020B0609020204030204"/>
+                <a:cs typeface="Consolas" panose="020B0609020204030204"/>
               </a:rPr>
               <a:t>0 0</a:t>
             </a:r>
             <a:r>
               <a:rPr sz="1800" spc="-5" dirty="0">
-                <a:latin typeface="Consolas"/>
-                <a:cs typeface="Consolas"/>
+                <a:latin typeface="Consolas" panose="020B0609020204030204"/>
+                <a:cs typeface="Consolas" panose="020B0609020204030204"/>
               </a:rPr>
               <a:t> </a:t>
             </a:r>
             <a:r>
               <a:rPr sz="1800" dirty="0">
-                <a:latin typeface="Consolas"/>
-                <a:cs typeface="Consolas"/>
+                <a:latin typeface="Consolas" panose="020B0609020204030204"/>
+                <a:cs typeface="Consolas" panose="020B0609020204030204"/>
               </a:rPr>
               <a:t>1em	#000000,</a:t>
             </a:r>
             <a:r>
               <a:rPr sz="1800" spc="-5" dirty="0">
-                <a:latin typeface="Consolas"/>
-                <a:cs typeface="Consolas"/>
+                <a:latin typeface="Consolas" panose="020B0609020204030204"/>
+                <a:cs typeface="Consolas" panose="020B0609020204030204"/>
               </a:rPr>
               <a:t> </a:t>
             </a:r>
@@ -2712,8 +2649,8 @@
                 <a:solidFill>
                   <a:srgbClr val="FFC000"/>
                 </a:solidFill>
-                <a:latin typeface="Consolas"/>
-                <a:cs typeface="Consolas"/>
+                <a:latin typeface="Consolas" panose="020B0609020204030204"/>
+                <a:cs typeface="Consolas" panose="020B0609020204030204"/>
               </a:rPr>
               <a:t>/*	all</a:t>
             </a:r>
@@ -2722,8 +2659,8 @@
                 <a:solidFill>
                   <a:srgbClr val="FFC000"/>
                 </a:solidFill>
-                <a:latin typeface="Consolas"/>
-                <a:cs typeface="Consolas"/>
+                <a:latin typeface="Consolas" panose="020B0609020204030204"/>
+                <a:cs typeface="Consolas" panose="020B0609020204030204"/>
               </a:rPr>
               <a:t> </a:t>
             </a:r>
@@ -2732,8 +2669,8 @@
                 <a:solidFill>
                   <a:srgbClr val="FFC000"/>
                 </a:solidFill>
-                <a:latin typeface="Consolas"/>
-                <a:cs typeface="Consolas"/>
+                <a:latin typeface="Consolas" panose="020B0609020204030204"/>
+                <a:cs typeface="Consolas" panose="020B0609020204030204"/>
               </a:rPr>
               <a:t>sides</a:t>
             </a:r>
@@ -2742,8 +2679,8 @@
                 <a:solidFill>
                   <a:srgbClr val="FFC000"/>
                 </a:solidFill>
-                <a:latin typeface="Consolas"/>
-                <a:cs typeface="Consolas"/>
+                <a:latin typeface="Consolas" panose="020B0609020204030204"/>
+                <a:cs typeface="Consolas" panose="020B0609020204030204"/>
               </a:rPr>
               <a:t> </a:t>
             </a:r>
@@ -2752,8 +2689,8 @@
                 <a:solidFill>
                   <a:srgbClr val="FFC000"/>
                 </a:solidFill>
-                <a:latin typeface="Consolas"/>
-                <a:cs typeface="Consolas"/>
+                <a:latin typeface="Consolas" panose="020B0609020204030204"/>
+                <a:cs typeface="Consolas" panose="020B0609020204030204"/>
               </a:rPr>
               <a:t>*/ </a:t>
             </a:r>
@@ -2762,36 +2699,36 @@
                 <a:solidFill>
                   <a:srgbClr val="FFC000"/>
                 </a:solidFill>
-                <a:latin typeface="Consolas"/>
-                <a:cs typeface="Consolas"/>
+                <a:latin typeface="Consolas" panose="020B0609020204030204"/>
+                <a:cs typeface="Consolas" panose="020B0609020204030204"/>
               </a:rPr>
               <a:t> </a:t>
             </a:r>
             <a:r>
               <a:rPr sz="1800" dirty="0">
-                <a:latin typeface="Consolas"/>
-                <a:cs typeface="Consolas"/>
+                <a:latin typeface="Consolas" panose="020B0609020204030204"/>
+                <a:cs typeface="Consolas" panose="020B0609020204030204"/>
               </a:rPr>
               <a:t>3em </a:t>
             </a:r>
             <a:r>
               <a:rPr sz="1800" spc="-330" dirty="0">
-                <a:latin typeface="Consolas"/>
-                <a:cs typeface="Consolas"/>
+                <a:latin typeface="Consolas" panose="020B0609020204030204"/>
+                <a:cs typeface="Consolas" panose="020B0609020204030204"/>
               </a:rPr>
               <a:t>-­‐3em</a:t>
             </a:r>
             <a:r>
               <a:rPr sz="1800" dirty="0">
-                <a:latin typeface="Consolas"/>
-                <a:cs typeface="Consolas"/>
+                <a:latin typeface="Consolas" panose="020B0609020204030204"/>
+                <a:cs typeface="Consolas" panose="020B0609020204030204"/>
               </a:rPr>
               <a:t> #FF0000,</a:t>
             </a:r>
             <a:r>
               <a:rPr sz="1800" spc="-5" dirty="0">
-                <a:latin typeface="Consolas"/>
-                <a:cs typeface="Consolas"/>
+                <a:latin typeface="Consolas" panose="020B0609020204030204"/>
+                <a:cs typeface="Consolas" panose="020B0609020204030204"/>
               </a:rPr>
               <a:t> </a:t>
             </a:r>
@@ -2800,14 +2737,14 @@
                 <a:solidFill>
                   <a:srgbClr val="FFC000"/>
                 </a:solidFill>
-                <a:latin typeface="Consolas"/>
-                <a:cs typeface="Consolas"/>
+                <a:latin typeface="Consolas" panose="020B0609020204030204"/>
+                <a:cs typeface="Consolas" panose="020B0609020204030204"/>
               </a:rPr>
               <a:t>/* upper right */</a:t>
             </a:r>
             <a:endParaRPr sz="1800">
-              <a:latin typeface="Consolas"/>
-              <a:cs typeface="Consolas"/>
+              <a:latin typeface="Consolas" panose="020B0609020204030204"/>
+              <a:cs typeface="Consolas" panose="020B0609020204030204"/>
             </a:endParaRPr>
           </a:p>
           <a:p>
@@ -2824,29 +2761,29 @@
             </a:pPr>
             <a:r>
               <a:rPr sz="1800" dirty="0">
-                <a:latin typeface="Consolas"/>
-                <a:cs typeface="Consolas"/>
+                <a:latin typeface="Consolas" panose="020B0609020204030204"/>
+                <a:cs typeface="Consolas" panose="020B0609020204030204"/>
               </a:rPr>
               <a:t>3em 3em</a:t>
             </a:r>
             <a:r>
               <a:rPr sz="1800" spc="-5" dirty="0">
-                <a:latin typeface="Consolas"/>
-                <a:cs typeface="Consolas"/>
+                <a:latin typeface="Consolas" panose="020B0609020204030204"/>
+                <a:cs typeface="Consolas" panose="020B0609020204030204"/>
               </a:rPr>
               <a:t> </a:t>
             </a:r>
             <a:r>
               <a:rPr sz="1800" dirty="0">
-                <a:latin typeface="Consolas"/>
-                <a:cs typeface="Consolas"/>
+                <a:latin typeface="Consolas" panose="020B0609020204030204"/>
+                <a:cs typeface="Consolas" panose="020B0609020204030204"/>
               </a:rPr>
               <a:t>4em	#00FF00,</a:t>
             </a:r>
             <a:r>
               <a:rPr sz="1800" spc="-30" dirty="0">
-                <a:latin typeface="Consolas"/>
-                <a:cs typeface="Consolas"/>
+                <a:latin typeface="Consolas" panose="020B0609020204030204"/>
+                <a:cs typeface="Consolas" panose="020B0609020204030204"/>
               </a:rPr>
               <a:t> </a:t>
             </a:r>
@@ -2855,8 +2792,8 @@
                 <a:solidFill>
                   <a:srgbClr val="FFC000"/>
                 </a:solidFill>
-                <a:latin typeface="Consolas"/>
-                <a:cs typeface="Consolas"/>
+                <a:latin typeface="Consolas" panose="020B0609020204030204"/>
+                <a:cs typeface="Consolas" panose="020B0609020204030204"/>
               </a:rPr>
               <a:t>/*</a:t>
             </a:r>
@@ -2865,8 +2802,8 @@
                 <a:solidFill>
                   <a:srgbClr val="FFC000"/>
                 </a:solidFill>
-                <a:latin typeface="Consolas"/>
-                <a:cs typeface="Consolas"/>
+                <a:latin typeface="Consolas" panose="020B0609020204030204"/>
+                <a:cs typeface="Consolas" panose="020B0609020204030204"/>
               </a:rPr>
               <a:t> </a:t>
             </a:r>
@@ -2875,8 +2812,8 @@
                 <a:solidFill>
                   <a:srgbClr val="FFC000"/>
                 </a:solidFill>
-                <a:latin typeface="Consolas"/>
-                <a:cs typeface="Consolas"/>
+                <a:latin typeface="Consolas" panose="020B0609020204030204"/>
+                <a:cs typeface="Consolas" panose="020B0609020204030204"/>
               </a:rPr>
               <a:t>lower</a:t>
             </a:r>
@@ -2885,8 +2822,8 @@
                 <a:solidFill>
                   <a:srgbClr val="FFC000"/>
                 </a:solidFill>
-                <a:latin typeface="Consolas"/>
-                <a:cs typeface="Consolas"/>
+                <a:latin typeface="Consolas" panose="020B0609020204030204"/>
+                <a:cs typeface="Consolas" panose="020B0609020204030204"/>
               </a:rPr>
               <a:t> </a:t>
             </a:r>
@@ -2895,8 +2832,8 @@
                 <a:solidFill>
                   <a:srgbClr val="FFC000"/>
                 </a:solidFill>
-                <a:latin typeface="Consolas"/>
-                <a:cs typeface="Consolas"/>
+                <a:latin typeface="Consolas" panose="020B0609020204030204"/>
+                <a:cs typeface="Consolas" panose="020B0609020204030204"/>
               </a:rPr>
               <a:t>right</a:t>
             </a:r>
@@ -2905,8 +2842,8 @@
                 <a:solidFill>
                   <a:srgbClr val="FFC000"/>
                 </a:solidFill>
-                <a:latin typeface="Consolas"/>
-                <a:cs typeface="Consolas"/>
+                <a:latin typeface="Consolas" panose="020B0609020204030204"/>
+                <a:cs typeface="Consolas" panose="020B0609020204030204"/>
               </a:rPr>
               <a:t> </a:t>
             </a:r>
@@ -2915,14 +2852,14 @@
                 <a:solidFill>
                   <a:srgbClr val="FFC000"/>
                 </a:solidFill>
-                <a:latin typeface="Consolas"/>
-                <a:cs typeface="Consolas"/>
+                <a:latin typeface="Consolas" panose="020B0609020204030204"/>
+                <a:cs typeface="Consolas" panose="020B0609020204030204"/>
               </a:rPr>
               <a:t>*/</a:t>
             </a:r>
             <a:endParaRPr sz="1800">
-              <a:latin typeface="Consolas"/>
-              <a:cs typeface="Consolas"/>
+              <a:latin typeface="Consolas" panose="020B0609020204030204"/>
+              <a:cs typeface="Consolas" panose="020B0609020204030204"/>
             </a:endParaRPr>
           </a:p>
           <a:p>
@@ -2936,15 +2873,15 @@
             </a:pPr>
             <a:r>
               <a:rPr sz="1800" spc="-330" dirty="0">
-                <a:latin typeface="Consolas"/>
-                <a:cs typeface="Consolas"/>
+                <a:latin typeface="Consolas" panose="020B0609020204030204"/>
+                <a:cs typeface="Consolas" panose="020B0609020204030204"/>
               </a:rPr>
               <a:t>-­‐3em 3em #FFFF00,</a:t>
             </a:r>
             <a:r>
               <a:rPr sz="1800" spc="-5" dirty="0">
-                <a:latin typeface="Consolas"/>
-                <a:cs typeface="Consolas"/>
+                <a:latin typeface="Consolas" panose="020B0609020204030204"/>
+                <a:cs typeface="Consolas" panose="020B0609020204030204"/>
               </a:rPr>
               <a:t> </a:t>
             </a:r>
@@ -2953,14 +2890,14 @@
                 <a:solidFill>
                   <a:srgbClr val="FFC000"/>
                 </a:solidFill>
-                <a:latin typeface="Consolas"/>
-                <a:cs typeface="Consolas"/>
+                <a:latin typeface="Consolas" panose="020B0609020204030204"/>
+                <a:cs typeface="Consolas" panose="020B0609020204030204"/>
               </a:rPr>
               <a:t>/* lower left */</a:t>
             </a:r>
             <a:endParaRPr sz="1800">
-              <a:latin typeface="Consolas"/>
-              <a:cs typeface="Consolas"/>
+              <a:latin typeface="Consolas" panose="020B0609020204030204"/>
+              <a:cs typeface="Consolas" panose="020B0609020204030204"/>
             </a:endParaRPr>
           </a:p>
           <a:p>
@@ -2974,29 +2911,29 @@
             </a:pPr>
             <a:r>
               <a:rPr sz="1800" spc="-330" dirty="0">
-                <a:latin typeface="Consolas"/>
-                <a:cs typeface="Consolas"/>
+                <a:latin typeface="Consolas" panose="020B0609020204030204"/>
+                <a:cs typeface="Consolas" panose="020B0609020204030204"/>
               </a:rPr>
               <a:t>-­‐3em -­‐3em</a:t>
             </a:r>
             <a:r>
               <a:rPr sz="1800" spc="-5" dirty="0">
-                <a:latin typeface="Consolas"/>
-                <a:cs typeface="Consolas"/>
+                <a:latin typeface="Consolas" panose="020B0609020204030204"/>
+                <a:cs typeface="Consolas" panose="020B0609020204030204"/>
               </a:rPr>
               <a:t> </a:t>
             </a:r>
             <a:r>
               <a:rPr sz="1800" dirty="0">
-                <a:latin typeface="Consolas"/>
-                <a:cs typeface="Consolas"/>
+                <a:latin typeface="Consolas" panose="020B0609020204030204"/>
+                <a:cs typeface="Consolas" panose="020B0609020204030204"/>
               </a:rPr>
               <a:t>4em #0000FF;</a:t>
             </a:r>
             <a:r>
               <a:rPr sz="1800" spc="-5" dirty="0">
-                <a:latin typeface="Consolas"/>
-                <a:cs typeface="Consolas"/>
+                <a:latin typeface="Consolas" panose="020B0609020204030204"/>
+                <a:cs typeface="Consolas" panose="020B0609020204030204"/>
               </a:rPr>
               <a:t> </a:t>
             </a:r>
@@ -3005,14 +2942,14 @@
                 <a:solidFill>
                   <a:srgbClr val="FFC000"/>
                 </a:solidFill>
-                <a:latin typeface="Consolas"/>
-                <a:cs typeface="Consolas"/>
+                <a:latin typeface="Consolas" panose="020B0609020204030204"/>
+                <a:cs typeface="Consolas" panose="020B0609020204030204"/>
               </a:rPr>
               <a:t>/* upper left */</a:t>
             </a:r>
             <a:endParaRPr sz="1800">
-              <a:latin typeface="Consolas"/>
-              <a:cs typeface="Consolas"/>
+              <a:latin typeface="Consolas" panose="020B0609020204030204"/>
+              <a:cs typeface="Consolas" panose="020B0609020204030204"/>
             </a:endParaRPr>
           </a:p>
         </p:txBody>
@@ -3024,7 +2961,7 @@
           <p:nvPr/>
         </p:nvPicPr>
         <p:blipFill>
-          <a:blip r:embed="rId9" cstate="print"/>
+          <a:blip r:embed="rId8" cstate="print"/>
           <a:stretch>
             <a:fillRect/>
           </a:stretch>
@@ -3056,8 +2993,6 @@
           <a:p>
             <a:fld id="{B6F15528-21DE-4FAA-801E-634DDDAF4B2B}" type="slidenum">
               <a:rPr lang="en-US" smtClean="0"/>
-              <a:pPr/>
-              <a:t>10</a:t>
             </a:fld>
             <a:endParaRPr lang="en-US"/>
           </a:p>
@@ -3266,6 +3201,7 @@
               <a:rPr spc="-5" dirty="0"/>
               <a:t>Site</a:t>
             </a:r>
+            <a:endParaRPr spc="-5" dirty="0"/>
           </a:p>
         </p:txBody>
       </p:sp>
@@ -3422,9 +3358,7 @@
         <p:txBody>
           <a:bodyPr wrap="square" lIns="0" tIns="0" rIns="0" bIns="0" rtlCol="0"/>
           <a:lstStyle/>
-          <a:p>
-            <a:endParaRPr/>
-          </a:p>
+          <a:p/>
         </p:txBody>
       </p:sp>
       <p:sp>
@@ -3461,14 +3395,14 @@
                 <a:solidFill>
                   <a:srgbClr val="FFFFFF"/>
                 </a:solidFill>
-                <a:latin typeface="Arial"/>
-                <a:cs typeface="Arial"/>
+                <a:latin typeface="Arial" panose="020B0604020202020204"/>
+                <a:cs typeface="Arial" panose="020B0604020202020204"/>
               </a:rPr>
               <a:t>DEMO</a:t>
             </a:r>
             <a:endParaRPr sz="6500">
-              <a:latin typeface="Arial"/>
-              <a:cs typeface="Arial"/>
+              <a:latin typeface="Arial" panose="020B0604020202020204"/>
+              <a:cs typeface="Arial" panose="020B0604020202020204"/>
             </a:endParaRPr>
           </a:p>
         </p:txBody>
@@ -3490,8 +3424,6 @@
           <a:p>
             <a:fld id="{B6F15528-21DE-4FAA-801E-634DDDAF4B2B}" type="slidenum">
               <a:rPr lang="en-US" smtClean="0"/>
-              <a:pPr/>
-              <a:t>11</a:t>
             </a:fld>
             <a:endParaRPr lang="en-US"/>
           </a:p>
@@ -3562,6 +3494,7 @@
               <a:rPr spc="-5" dirty="0"/>
               <a:t>Summary</a:t>
             </a:r>
+            <a:endParaRPr spc="-5" dirty="0"/>
           </a:p>
         </p:txBody>
       </p:sp>
@@ -3593,7 +3526,7 @@
               <a:spcBef>
                 <a:spcPts val="580"/>
               </a:spcBef>
-              <a:buFont typeface="Wingdings"/>
+              <a:buFont typeface="Wingdings" panose="05000000000000000000"/>
               <a:buChar char=""/>
               <a:tabLst>
                 <a:tab pos="354965" algn="l"/>
@@ -3602,49 +3535,49 @@
             </a:pPr>
             <a:r>
               <a:rPr sz="2000" b="1" spc="-5" dirty="0">
-                <a:latin typeface="Arial"/>
-                <a:cs typeface="Arial"/>
+                <a:latin typeface="Arial" panose="020B0604020202020204"/>
+                <a:cs typeface="Arial" panose="020B0604020202020204"/>
               </a:rPr>
               <a:t>Allow</a:t>
             </a:r>
             <a:r>
               <a:rPr sz="2000" b="1" spc="-10" dirty="0">
-                <a:latin typeface="Arial"/>
-                <a:cs typeface="Arial"/>
+                <a:latin typeface="Arial" panose="020B0604020202020204"/>
+                <a:cs typeface="Arial" panose="020B0604020202020204"/>
               </a:rPr>
               <a:t> </a:t>
             </a:r>
             <a:r>
               <a:rPr sz="2000" b="1" spc="-5" dirty="0">
-                <a:latin typeface="Arial"/>
-                <a:cs typeface="Arial"/>
+                <a:latin typeface="Arial" panose="020B0604020202020204"/>
+                <a:cs typeface="Arial" panose="020B0604020202020204"/>
               </a:rPr>
               <a:t>users </a:t>
             </a:r>
             <a:r>
               <a:rPr sz="2000" b="1" dirty="0">
-                <a:latin typeface="Arial"/>
-                <a:cs typeface="Arial"/>
+                <a:latin typeface="Arial" panose="020B0604020202020204"/>
+                <a:cs typeface="Arial" panose="020B0604020202020204"/>
               </a:rPr>
               <a:t>to</a:t>
             </a:r>
             <a:r>
               <a:rPr sz="2000" b="1" spc="-10" dirty="0">
-                <a:latin typeface="Arial"/>
-                <a:cs typeface="Arial"/>
+                <a:latin typeface="Arial" panose="020B0604020202020204"/>
+                <a:cs typeface="Arial" panose="020B0604020202020204"/>
               </a:rPr>
               <a:t> </a:t>
             </a:r>
             <a:r>
               <a:rPr sz="2000" b="1" spc="-5" dirty="0">
-                <a:latin typeface="Arial"/>
-                <a:cs typeface="Arial"/>
+                <a:latin typeface="Arial" panose="020B0604020202020204"/>
+                <a:cs typeface="Arial" panose="020B0604020202020204"/>
               </a:rPr>
               <a:t>resize content</a:t>
             </a:r>
             <a:endParaRPr sz="2000">
-              <a:latin typeface="Arial"/>
-              <a:cs typeface="Arial"/>
+              <a:latin typeface="Arial" panose="020B0604020202020204"/>
+              <a:cs typeface="Arial" panose="020B0604020202020204"/>
             </a:endParaRPr>
           </a:p>
           <a:p>
@@ -3655,7 +3588,7 @@
               <a:spcBef>
                 <a:spcPts val="480"/>
               </a:spcBef>
-              <a:buFont typeface="Wingdings"/>
+              <a:buFont typeface="Wingdings" panose="05000000000000000000"/>
               <a:buChar char=""/>
               <a:tabLst>
                 <a:tab pos="354965" algn="l"/>
@@ -3664,56 +3597,56 @@
             </a:pPr>
             <a:r>
               <a:rPr sz="2000" b="1" spc="-5" dirty="0">
-                <a:latin typeface="Arial"/>
-                <a:cs typeface="Arial"/>
+                <a:latin typeface="Arial" panose="020B0604020202020204"/>
+                <a:cs typeface="Arial" panose="020B0604020202020204"/>
               </a:rPr>
               <a:t>Smooth</a:t>
             </a:r>
             <a:r>
               <a:rPr sz="2000" b="1" spc="-15" dirty="0">
-                <a:latin typeface="Arial"/>
-                <a:cs typeface="Arial"/>
+                <a:latin typeface="Arial" panose="020B0604020202020204"/>
+                <a:cs typeface="Arial" panose="020B0604020202020204"/>
               </a:rPr>
               <a:t> </a:t>
             </a:r>
             <a:r>
               <a:rPr sz="2000" b="1" spc="-5" dirty="0">
-                <a:latin typeface="Arial"/>
-                <a:cs typeface="Arial"/>
+                <a:latin typeface="Arial" panose="020B0604020202020204"/>
+                <a:cs typeface="Arial" panose="020B0604020202020204"/>
               </a:rPr>
               <a:t>corners</a:t>
             </a:r>
             <a:r>
               <a:rPr sz="2000" b="1" spc="-10" dirty="0">
-                <a:latin typeface="Arial"/>
-                <a:cs typeface="Arial"/>
+                <a:latin typeface="Arial" panose="020B0604020202020204"/>
+                <a:cs typeface="Arial" panose="020B0604020202020204"/>
               </a:rPr>
               <a:t> </a:t>
             </a:r>
             <a:r>
               <a:rPr sz="2000" b="1" spc="-5" dirty="0">
-                <a:latin typeface="Arial"/>
-                <a:cs typeface="Arial"/>
+                <a:latin typeface="Arial" panose="020B0604020202020204"/>
+                <a:cs typeface="Arial" panose="020B0604020202020204"/>
               </a:rPr>
               <a:t>of</a:t>
             </a:r>
             <a:r>
               <a:rPr sz="2000" b="1" spc="-10" dirty="0">
-                <a:latin typeface="Arial"/>
-                <a:cs typeface="Arial"/>
+                <a:latin typeface="Arial" panose="020B0604020202020204"/>
+                <a:cs typeface="Arial" panose="020B0604020202020204"/>
               </a:rPr>
               <a:t> </a:t>
             </a:r>
             <a:r>
               <a:rPr sz="2000" b="1" spc="-5" dirty="0">
-                <a:latin typeface="Arial"/>
-                <a:cs typeface="Arial"/>
+                <a:latin typeface="Arial" panose="020B0604020202020204"/>
+                <a:cs typeface="Arial" panose="020B0604020202020204"/>
               </a:rPr>
               <a:t>choice</a:t>
             </a:r>
             <a:endParaRPr sz="2000">
-              <a:latin typeface="Arial"/>
-              <a:cs typeface="Arial"/>
+              <a:latin typeface="Arial" panose="020B0604020202020204"/>
+              <a:cs typeface="Arial" panose="020B0604020202020204"/>
             </a:endParaRPr>
           </a:p>
           <a:p>
@@ -3724,7 +3657,7 @@
               <a:spcBef>
                 <a:spcPts val="400"/>
               </a:spcBef>
-              <a:buFont typeface="Wingdings"/>
+              <a:buFont typeface="Wingdings" panose="05000000000000000000"/>
               <a:buChar char=""/>
               <a:tabLst>
                 <a:tab pos="354965" algn="l"/>
@@ -3733,98 +3666,98 @@
             </a:pPr>
             <a:r>
               <a:rPr sz="2000" b="1" spc="-5" dirty="0">
-                <a:latin typeface="Arial"/>
-                <a:cs typeface="Arial"/>
+                <a:latin typeface="Arial" panose="020B0604020202020204"/>
+                <a:cs typeface="Arial" panose="020B0604020202020204"/>
               </a:rPr>
               <a:t>Provide</a:t>
             </a:r>
             <a:r>
               <a:rPr sz="2000" b="1" dirty="0">
-                <a:latin typeface="Arial"/>
-                <a:cs typeface="Arial"/>
+                <a:latin typeface="Arial" panose="020B0604020202020204"/>
+                <a:cs typeface="Arial" panose="020B0604020202020204"/>
               </a:rPr>
               <a:t> </a:t>
             </a:r>
             <a:r>
               <a:rPr sz="2000" b="1" spc="-5" dirty="0">
-                <a:latin typeface="Arial"/>
-                <a:cs typeface="Arial"/>
+                <a:latin typeface="Arial" panose="020B0604020202020204"/>
+                <a:cs typeface="Arial" panose="020B0604020202020204"/>
               </a:rPr>
               <a:t>shadows</a:t>
             </a:r>
             <a:r>
               <a:rPr sz="2000" b="1" dirty="0">
-                <a:latin typeface="Arial"/>
-                <a:cs typeface="Arial"/>
+                <a:latin typeface="Arial" panose="020B0604020202020204"/>
+                <a:cs typeface="Arial" panose="020B0604020202020204"/>
               </a:rPr>
               <a:t> </a:t>
             </a:r>
             <a:r>
               <a:rPr sz="2000" b="1" spc="-5" dirty="0">
-                <a:latin typeface="Arial"/>
-                <a:cs typeface="Arial"/>
+                <a:latin typeface="Arial" panose="020B0604020202020204"/>
+                <a:cs typeface="Arial" panose="020B0604020202020204"/>
               </a:rPr>
               <a:t>in</a:t>
             </a:r>
             <a:r>
               <a:rPr sz="2000" b="1" dirty="0">
-                <a:latin typeface="Arial"/>
-                <a:cs typeface="Arial"/>
+                <a:latin typeface="Arial" panose="020B0604020202020204"/>
+                <a:cs typeface="Arial" panose="020B0604020202020204"/>
               </a:rPr>
               <a:t> </a:t>
             </a:r>
             <a:r>
               <a:rPr sz="2000" b="1" spc="-5" dirty="0">
-                <a:latin typeface="Arial"/>
-                <a:cs typeface="Arial"/>
+                <a:latin typeface="Arial" panose="020B0604020202020204"/>
+                <a:cs typeface="Arial" panose="020B0604020202020204"/>
               </a:rPr>
               <a:t>any</a:t>
             </a:r>
             <a:r>
               <a:rPr sz="2000" b="1" dirty="0">
-                <a:latin typeface="Arial"/>
-                <a:cs typeface="Arial"/>
+                <a:latin typeface="Arial" panose="020B0604020202020204"/>
+                <a:cs typeface="Arial" panose="020B0604020202020204"/>
               </a:rPr>
               <a:t> </a:t>
             </a:r>
             <a:r>
               <a:rPr sz="2000" b="1" spc="-5" dirty="0">
-                <a:latin typeface="Arial"/>
-                <a:cs typeface="Arial"/>
+                <a:latin typeface="Arial" panose="020B0604020202020204"/>
+                <a:cs typeface="Arial" panose="020B0604020202020204"/>
               </a:rPr>
               <a:t>direction, with</a:t>
             </a:r>
             <a:r>
               <a:rPr sz="2000" b="1" dirty="0">
-                <a:latin typeface="Arial"/>
-                <a:cs typeface="Arial"/>
+                <a:latin typeface="Arial" panose="020B0604020202020204"/>
+                <a:cs typeface="Arial" panose="020B0604020202020204"/>
               </a:rPr>
               <a:t> </a:t>
             </a:r>
             <a:r>
               <a:rPr sz="2000" b="1" spc="-5" dirty="0">
-                <a:latin typeface="Arial"/>
-                <a:cs typeface="Arial"/>
+                <a:latin typeface="Arial" panose="020B0604020202020204"/>
+                <a:cs typeface="Arial" panose="020B0604020202020204"/>
               </a:rPr>
               <a:t>color</a:t>
             </a:r>
             <a:r>
               <a:rPr sz="2000" b="1" dirty="0">
-                <a:latin typeface="Arial"/>
-                <a:cs typeface="Arial"/>
+                <a:latin typeface="Arial" panose="020B0604020202020204"/>
+                <a:cs typeface="Arial" panose="020B0604020202020204"/>
               </a:rPr>
               <a:t> </a:t>
             </a:r>
             <a:r>
               <a:rPr sz="2000" b="1" spc="-5" dirty="0">
-                <a:latin typeface="Arial"/>
-                <a:cs typeface="Arial"/>
+                <a:latin typeface="Arial" panose="020B0604020202020204"/>
+                <a:cs typeface="Arial" panose="020B0604020202020204"/>
               </a:rPr>
               <a:t>of choice</a:t>
             </a:r>
             <a:endParaRPr sz="2000">
-              <a:latin typeface="Arial"/>
-              <a:cs typeface="Arial"/>
+              <a:latin typeface="Arial" panose="020B0604020202020204"/>
+              <a:cs typeface="Arial" panose="020B0604020202020204"/>
             </a:endParaRPr>
           </a:p>
         </p:txBody>
@@ -3846,8 +3779,6 @@
           <a:p>
             <a:fld id="{B6F15528-21DE-4FAA-801E-634DDDAF4B2B}" type="slidenum">
               <a:rPr lang="en-US" smtClean="0"/>
-              <a:pPr/>
-              <a:t>12</a:t>
             </a:fld>
             <a:endParaRPr lang="en-US"/>
           </a:p>
@@ -3930,6 +3861,7 @@
               <a:rPr spc="-5" dirty="0"/>
               <a:t>Overview</a:t>
             </a:r>
+            <a:endParaRPr spc="-5" dirty="0"/>
           </a:p>
         </p:txBody>
       </p:sp>
@@ -3961,7 +3893,7 @@
               <a:spcBef>
                 <a:spcPts val="580"/>
               </a:spcBef>
-              <a:buFont typeface="Wingdings"/>
+              <a:buFont typeface="Wingdings" panose="05000000000000000000"/>
               <a:buChar char=""/>
               <a:tabLst>
                 <a:tab pos="354965" algn="l"/>
@@ -3970,14 +3902,14 @@
             </a:pPr>
             <a:r>
               <a:rPr sz="2000" b="1" spc="-5" dirty="0">
-                <a:latin typeface="Arial"/>
-                <a:cs typeface="Arial"/>
+                <a:latin typeface="Arial" panose="020B0604020202020204"/>
+                <a:cs typeface="Arial" panose="020B0604020202020204"/>
               </a:rPr>
               <a:t>Resizable</a:t>
             </a:r>
             <a:endParaRPr sz="2000">
-              <a:latin typeface="Arial"/>
-              <a:cs typeface="Arial"/>
+              <a:latin typeface="Arial" panose="020B0604020202020204"/>
+              <a:cs typeface="Arial" panose="020B0604020202020204"/>
             </a:endParaRPr>
           </a:p>
           <a:p>
@@ -3988,7 +3920,7 @@
               <a:spcBef>
                 <a:spcPts val="480"/>
               </a:spcBef>
-              <a:buFont typeface="Wingdings"/>
+              <a:buFont typeface="Wingdings" panose="05000000000000000000"/>
               <a:buChar char=""/>
               <a:tabLst>
                 <a:tab pos="354965" algn="l"/>
@@ -3997,28 +3929,28 @@
             </a:pPr>
             <a:r>
               <a:rPr sz="2000" b="1" spc="-5" dirty="0">
-                <a:latin typeface="Arial"/>
-                <a:cs typeface="Arial"/>
+                <a:latin typeface="Arial" panose="020B0604020202020204"/>
+                <a:cs typeface="Arial" panose="020B0604020202020204"/>
               </a:rPr>
               <a:t>Rounded</a:t>
             </a:r>
             <a:r>
               <a:rPr sz="2000" b="1" spc="-75" dirty="0">
-                <a:latin typeface="Arial"/>
-                <a:cs typeface="Arial"/>
+                <a:latin typeface="Arial" panose="020B0604020202020204"/>
+                <a:cs typeface="Arial" panose="020B0604020202020204"/>
               </a:rPr>
               <a:t> </a:t>
             </a:r>
             <a:r>
               <a:rPr sz="2000" b="1" spc="-5" dirty="0">
-                <a:latin typeface="Arial"/>
-                <a:cs typeface="Arial"/>
+                <a:latin typeface="Arial" panose="020B0604020202020204"/>
+                <a:cs typeface="Arial" panose="020B0604020202020204"/>
               </a:rPr>
               <a:t>corners</a:t>
             </a:r>
             <a:endParaRPr sz="2000">
-              <a:latin typeface="Arial"/>
-              <a:cs typeface="Arial"/>
+              <a:latin typeface="Arial" panose="020B0604020202020204"/>
+              <a:cs typeface="Arial" panose="020B0604020202020204"/>
             </a:endParaRPr>
           </a:p>
           <a:p>
@@ -4029,7 +3961,7 @@
               <a:spcBef>
                 <a:spcPts val="400"/>
               </a:spcBef>
-              <a:buFont typeface="Wingdings"/>
+              <a:buFont typeface="Wingdings" panose="05000000000000000000"/>
               <a:buChar char=""/>
               <a:tabLst>
                 <a:tab pos="354965" algn="l"/>
@@ -4038,14 +3970,14 @@
             </a:pPr>
             <a:r>
               <a:rPr sz="2000" b="1" spc="-5" dirty="0">
-                <a:latin typeface="Arial"/>
-                <a:cs typeface="Arial"/>
+                <a:latin typeface="Arial" panose="020B0604020202020204"/>
+                <a:cs typeface="Arial" panose="020B0604020202020204"/>
               </a:rPr>
               <a:t>Shadowing</a:t>
             </a:r>
             <a:endParaRPr sz="2000">
-              <a:latin typeface="Arial"/>
-              <a:cs typeface="Arial"/>
+              <a:latin typeface="Arial" panose="020B0604020202020204"/>
+              <a:cs typeface="Arial" panose="020B0604020202020204"/>
             </a:endParaRPr>
           </a:p>
         </p:txBody>
@@ -4067,8 +3999,6 @@
           <a:p>
             <a:fld id="{B6F15528-21DE-4FAA-801E-634DDDAF4B2B}" type="slidenum">
               <a:rPr lang="en-US" smtClean="0"/>
-              <a:pPr/>
-              <a:t>2</a:t>
             </a:fld>
             <a:endParaRPr lang="en-US"/>
           </a:p>
@@ -4203,14 +4133,14 @@
             </a:pPr>
             <a:r>
               <a:rPr sz="2800" b="1" spc="-5" dirty="0">
-                <a:latin typeface="Arial"/>
-                <a:cs typeface="Arial"/>
+                <a:latin typeface="Arial" panose="020B0604020202020204"/>
+                <a:cs typeface="Arial" panose="020B0604020202020204"/>
               </a:rPr>
               <a:t>Resizable</a:t>
             </a:r>
             <a:endParaRPr sz="2800">
-              <a:latin typeface="Arial"/>
-              <a:cs typeface="Arial"/>
+              <a:latin typeface="Arial" panose="020B0604020202020204"/>
+              <a:cs typeface="Arial" panose="020B0604020202020204"/>
             </a:endParaRPr>
           </a:p>
         </p:txBody>
@@ -4232,8 +4162,6 @@
           <a:p>
             <a:fld id="{B6F15528-21DE-4FAA-801E-634DDDAF4B2B}" type="slidenum">
               <a:rPr lang="en-US" smtClean="0"/>
-              <a:pPr/>
-              <a:t>3</a:t>
             </a:fld>
             <a:endParaRPr lang="en-US"/>
           </a:p>
@@ -4309,6 +4237,7 @@
               <a:rPr dirty="0"/>
               <a:t>ze</a:t>
             </a:r>
+            <a:endParaRPr dirty="0"/>
           </a:p>
         </p:txBody>
       </p:sp>
@@ -4346,33 +4275,33 @@
                 <a:spcPct val="100000"/>
               </a:lnSpc>
               <a:spcBef>
-                <a:spcPts val="359"/>
+                <a:spcPts val="360"/>
               </a:spcBef>
             </a:pPr>
             <a:r>
               <a:rPr sz="1800" dirty="0">
-                <a:latin typeface="Consolas"/>
-                <a:cs typeface="Consolas"/>
+                <a:latin typeface="Consolas" panose="020B0609020204030204"/>
+                <a:cs typeface="Consolas" panose="020B0609020204030204"/>
               </a:rPr>
               <a:t>.box</a:t>
             </a:r>
             <a:r>
               <a:rPr sz="1800" spc="-65" dirty="0">
-                <a:latin typeface="Consolas"/>
-                <a:cs typeface="Consolas"/>
+                <a:latin typeface="Consolas" panose="020B0609020204030204"/>
+                <a:cs typeface="Consolas" panose="020B0609020204030204"/>
               </a:rPr>
               <a:t> </a:t>
             </a:r>
             <a:r>
               <a:rPr sz="1800" dirty="0">
-                <a:latin typeface="Consolas"/>
-                <a:cs typeface="Consolas"/>
+                <a:latin typeface="Consolas" panose="020B0609020204030204"/>
+                <a:cs typeface="Consolas" panose="020B0609020204030204"/>
               </a:rPr>
               <a:t>{</a:t>
             </a:r>
             <a:endParaRPr sz="1800">
-              <a:latin typeface="Consolas"/>
-              <a:cs typeface="Consolas"/>
+              <a:latin typeface="Consolas" panose="020B0609020204030204"/>
+              <a:cs typeface="Consolas" panose="020B0609020204030204"/>
             </a:endParaRPr>
           </a:p>
           <a:p>
@@ -4386,22 +4315,22 @@
             </a:pPr>
             <a:r>
               <a:rPr sz="1800" dirty="0">
-                <a:latin typeface="Consolas"/>
-                <a:cs typeface="Consolas"/>
+                <a:latin typeface="Consolas" panose="020B0609020204030204"/>
+                <a:cs typeface="Consolas" panose="020B0609020204030204"/>
               </a:rPr>
               <a:t>resize:</a:t>
             </a:r>
             <a:r>
               <a:rPr sz="1800" spc="5" dirty="0">
-                <a:latin typeface="Consolas"/>
-                <a:cs typeface="Consolas"/>
+                <a:latin typeface="Consolas" panose="020B0609020204030204"/>
+                <a:cs typeface="Consolas" panose="020B0609020204030204"/>
               </a:rPr>
               <a:t> </a:t>
             </a:r>
             <a:r>
               <a:rPr sz="1800" dirty="0">
-                <a:latin typeface="Consolas"/>
-                <a:cs typeface="Consolas"/>
+                <a:latin typeface="Consolas" panose="020B0609020204030204"/>
+                <a:cs typeface="Consolas" panose="020B0609020204030204"/>
               </a:rPr>
               <a:t>both; </a:t>
             </a:r>
@@ -4410,8 +4339,8 @@
                 <a:solidFill>
                   <a:srgbClr val="FFC000"/>
                 </a:solidFill>
-                <a:latin typeface="Consolas"/>
-                <a:cs typeface="Consolas"/>
+                <a:latin typeface="Consolas" panose="020B0609020204030204"/>
+                <a:cs typeface="Consolas" panose="020B0609020204030204"/>
               </a:rPr>
               <a:t>none|horizontal|vertical </a:t>
             </a:r>
@@ -4420,36 +4349,36 @@
                 <a:solidFill>
                   <a:srgbClr val="FFC000"/>
                 </a:solidFill>
-                <a:latin typeface="Consolas"/>
-                <a:cs typeface="Consolas"/>
+                <a:latin typeface="Consolas" panose="020B0609020204030204"/>
+                <a:cs typeface="Consolas" panose="020B0609020204030204"/>
               </a:rPr>
               <a:t> </a:t>
             </a:r>
             <a:r>
               <a:rPr sz="1800" dirty="0">
-                <a:latin typeface="Consolas"/>
-                <a:cs typeface="Consolas"/>
+                <a:latin typeface="Consolas" panose="020B0609020204030204"/>
+                <a:cs typeface="Consolas" panose="020B0609020204030204"/>
               </a:rPr>
               <a:t>overflow:</a:t>
             </a:r>
             <a:r>
               <a:rPr sz="1800" spc="975" dirty="0">
-                <a:latin typeface="Consolas"/>
-                <a:cs typeface="Consolas"/>
+                <a:latin typeface="Consolas" panose="020B0609020204030204"/>
+                <a:cs typeface="Consolas" panose="020B0609020204030204"/>
               </a:rPr>
               <a:t> </a:t>
             </a:r>
             <a:r>
               <a:rPr sz="1800" dirty="0">
-                <a:latin typeface="Consolas"/>
-                <a:cs typeface="Consolas"/>
+                <a:latin typeface="Consolas" panose="020B0609020204030204"/>
+                <a:cs typeface="Consolas" panose="020B0609020204030204"/>
               </a:rPr>
               <a:t>auto;</a:t>
             </a:r>
             <a:r>
               <a:rPr sz="1800" spc="-10" dirty="0">
-                <a:latin typeface="Consolas"/>
-                <a:cs typeface="Consolas"/>
+                <a:latin typeface="Consolas" panose="020B0609020204030204"/>
+                <a:cs typeface="Consolas" panose="020B0609020204030204"/>
               </a:rPr>
               <a:t> </a:t>
             </a:r>
@@ -4458,14 +4387,14 @@
                 <a:solidFill>
                   <a:srgbClr val="FFC000"/>
                 </a:solidFill>
-                <a:latin typeface="Consolas"/>
-                <a:cs typeface="Consolas"/>
+                <a:latin typeface="Consolas" panose="020B0609020204030204"/>
+                <a:cs typeface="Consolas" panose="020B0609020204030204"/>
               </a:rPr>
               <a:t>!visible</a:t>
             </a:r>
             <a:endParaRPr sz="1800">
-              <a:latin typeface="Consolas"/>
-              <a:cs typeface="Consolas"/>
+              <a:latin typeface="Consolas" panose="020B0609020204030204"/>
+              <a:cs typeface="Consolas" panose="020B0609020204030204"/>
             </a:endParaRPr>
           </a:p>
           <a:p>
@@ -4476,77 +4405,77 @@
             </a:pPr>
             <a:r>
               <a:rPr sz="1800" spc="-165" dirty="0">
-                <a:latin typeface="Consolas"/>
-                <a:cs typeface="Consolas"/>
+                <a:latin typeface="Consolas" panose="020B0609020204030204"/>
+                <a:cs typeface="Consolas" panose="020B0609020204030204"/>
               </a:rPr>
               <a:t>max-­‐width:</a:t>
             </a:r>
             <a:r>
               <a:rPr sz="1800" spc="-160" dirty="0">
-                <a:latin typeface="Consolas"/>
-                <a:cs typeface="Consolas"/>
+                <a:latin typeface="Consolas" panose="020B0609020204030204"/>
+                <a:cs typeface="Consolas" panose="020B0609020204030204"/>
               </a:rPr>
               <a:t> </a:t>
             </a:r>
             <a:r>
               <a:rPr sz="1800" dirty="0">
-                <a:latin typeface="Consolas"/>
-                <a:cs typeface="Consolas"/>
+                <a:latin typeface="Consolas" panose="020B0609020204030204"/>
+                <a:cs typeface="Consolas" panose="020B0609020204030204"/>
               </a:rPr>
               <a:t>600px; </a:t>
             </a:r>
             <a:r>
               <a:rPr sz="1800" spc="-975" dirty="0">
-                <a:latin typeface="Consolas"/>
-                <a:cs typeface="Consolas"/>
+                <a:latin typeface="Consolas" panose="020B0609020204030204"/>
+                <a:cs typeface="Consolas" panose="020B0609020204030204"/>
               </a:rPr>
               <a:t> </a:t>
             </a:r>
             <a:r>
               <a:rPr sz="1800" spc="-155" dirty="0">
-                <a:latin typeface="Consolas"/>
-                <a:cs typeface="Consolas"/>
+                <a:latin typeface="Consolas" panose="020B0609020204030204"/>
+                <a:cs typeface="Consolas" panose="020B0609020204030204"/>
               </a:rPr>
               <a:t>max-­‐height: </a:t>
             </a:r>
             <a:r>
               <a:rPr sz="1800" dirty="0">
-                <a:latin typeface="Consolas"/>
-                <a:cs typeface="Consolas"/>
+                <a:latin typeface="Consolas" panose="020B0609020204030204"/>
+                <a:cs typeface="Consolas" panose="020B0609020204030204"/>
               </a:rPr>
               <a:t>400px; </a:t>
             </a:r>
             <a:r>
               <a:rPr sz="1800" spc="-975" dirty="0">
-                <a:latin typeface="Consolas"/>
-                <a:cs typeface="Consolas"/>
+                <a:latin typeface="Consolas" panose="020B0609020204030204"/>
+                <a:cs typeface="Consolas" panose="020B0609020204030204"/>
               </a:rPr>
               <a:t> </a:t>
             </a:r>
             <a:r>
               <a:rPr sz="1800" dirty="0">
-                <a:latin typeface="Consolas"/>
-                <a:cs typeface="Consolas"/>
+                <a:latin typeface="Consolas" panose="020B0609020204030204"/>
+                <a:cs typeface="Consolas" panose="020B0609020204030204"/>
               </a:rPr>
               <a:t>cursor:</a:t>
             </a:r>
             <a:r>
               <a:rPr sz="1800" spc="894" dirty="0">
-                <a:latin typeface="Consolas"/>
-                <a:cs typeface="Consolas"/>
+                <a:latin typeface="Consolas" panose="020B0609020204030204"/>
+                <a:cs typeface="Consolas" panose="020B0609020204030204"/>
               </a:rPr>
               <a:t> </a:t>
             </a:r>
             <a:r>
               <a:rPr sz="1800" dirty="0">
-                <a:latin typeface="Consolas"/>
-                <a:cs typeface="Consolas"/>
+                <a:latin typeface="Consolas" panose="020B0609020204030204"/>
+                <a:cs typeface="Consolas" panose="020B0609020204030204"/>
               </a:rPr>
               <a:t>move;</a:t>
             </a:r>
             <a:endParaRPr sz="1800">
-              <a:latin typeface="Consolas"/>
-              <a:cs typeface="Consolas"/>
+              <a:latin typeface="Consolas" panose="020B0609020204030204"/>
+              <a:cs typeface="Consolas" panose="020B0609020204030204"/>
             </a:endParaRPr>
           </a:p>
           <a:p>
@@ -4560,14 +4489,14 @@
             </a:pPr>
             <a:r>
               <a:rPr sz="1800" dirty="0">
-                <a:latin typeface="Consolas"/>
-                <a:cs typeface="Consolas"/>
+                <a:latin typeface="Consolas" panose="020B0609020204030204"/>
+                <a:cs typeface="Consolas" panose="020B0609020204030204"/>
               </a:rPr>
               <a:t>}</a:t>
             </a:r>
             <a:endParaRPr sz="1800">
-              <a:latin typeface="Consolas"/>
-              <a:cs typeface="Consolas"/>
+              <a:latin typeface="Consolas" panose="020B0609020204030204"/>
+              <a:cs typeface="Consolas" panose="020B0609020204030204"/>
             </a:endParaRPr>
           </a:p>
         </p:txBody>
@@ -4589,8 +4518,6 @@
           <a:p>
             <a:fld id="{B6F15528-21DE-4FAA-801E-634DDDAF4B2B}" type="slidenum">
               <a:rPr lang="en-US" smtClean="0"/>
-              <a:pPr/>
-              <a:t>4</a:t>
             </a:fld>
             <a:endParaRPr lang="en-US"/>
           </a:p>
@@ -4652,70 +4579,70 @@
             </a:pPr>
             <a:r>
               <a:rPr sz="2000" b="1" spc="-5" dirty="0">
-                <a:latin typeface="Arial"/>
-                <a:cs typeface="Arial"/>
+                <a:latin typeface="Arial" panose="020B0604020202020204"/>
+                <a:cs typeface="Arial" panose="020B0604020202020204"/>
               </a:rPr>
               <a:t>Smoothing</a:t>
             </a:r>
             <a:r>
               <a:rPr sz="2000" b="1" spc="-15" dirty="0">
-                <a:latin typeface="Arial"/>
-                <a:cs typeface="Arial"/>
+                <a:latin typeface="Arial" panose="020B0604020202020204"/>
+                <a:cs typeface="Arial" panose="020B0604020202020204"/>
               </a:rPr>
               <a:t> </a:t>
             </a:r>
             <a:r>
               <a:rPr sz="2000" b="1" spc="-5" dirty="0">
-                <a:latin typeface="Arial"/>
-                <a:cs typeface="Arial"/>
+                <a:latin typeface="Arial" panose="020B0604020202020204"/>
+                <a:cs typeface="Arial" panose="020B0604020202020204"/>
               </a:rPr>
               <a:t>out</a:t>
             </a:r>
             <a:r>
               <a:rPr sz="2000" b="1" spc="-15" dirty="0">
-                <a:latin typeface="Arial"/>
-                <a:cs typeface="Arial"/>
+                <a:latin typeface="Arial" panose="020B0604020202020204"/>
+                <a:cs typeface="Arial" panose="020B0604020202020204"/>
               </a:rPr>
               <a:t> </a:t>
             </a:r>
             <a:r>
               <a:rPr sz="2000" b="1" spc="-5" dirty="0">
-                <a:latin typeface="Arial"/>
-                <a:cs typeface="Arial"/>
+                <a:latin typeface="Arial" panose="020B0604020202020204"/>
+                <a:cs typeface="Arial" panose="020B0604020202020204"/>
               </a:rPr>
               <a:t>the</a:t>
             </a:r>
             <a:r>
               <a:rPr sz="2000" b="1" spc="-10" dirty="0">
-                <a:latin typeface="Arial"/>
-                <a:cs typeface="Arial"/>
+                <a:latin typeface="Arial" panose="020B0604020202020204"/>
+                <a:cs typeface="Arial" panose="020B0604020202020204"/>
               </a:rPr>
               <a:t> </a:t>
             </a:r>
             <a:r>
               <a:rPr sz="2000" b="1" spc="-5" dirty="0">
-                <a:latin typeface="Arial"/>
-                <a:cs typeface="Arial"/>
+                <a:latin typeface="Arial" panose="020B0604020202020204"/>
+                <a:cs typeface="Arial" panose="020B0604020202020204"/>
               </a:rPr>
               <a:t>rough</a:t>
             </a:r>
             <a:r>
               <a:rPr sz="2000" b="1" spc="-15" dirty="0">
-                <a:latin typeface="Arial"/>
-                <a:cs typeface="Arial"/>
+                <a:latin typeface="Arial" panose="020B0604020202020204"/>
+                <a:cs typeface="Arial" panose="020B0604020202020204"/>
               </a:rPr>
               <a:t> </a:t>
             </a:r>
             <a:r>
               <a:rPr sz="2000" b="1" spc="-5" dirty="0">
-                <a:latin typeface="Arial"/>
-                <a:cs typeface="Arial"/>
+                <a:latin typeface="Arial" panose="020B0604020202020204"/>
+                <a:cs typeface="Arial" panose="020B0604020202020204"/>
               </a:rPr>
               <a:t>edges</a:t>
             </a:r>
             <a:endParaRPr sz="2000">
-              <a:latin typeface="Arial"/>
-              <a:cs typeface="Arial"/>
+              <a:latin typeface="Arial" panose="020B0604020202020204"/>
+              <a:cs typeface="Arial" panose="020B0604020202020204"/>
             </a:endParaRPr>
           </a:p>
           <a:p>
@@ -4728,8 +4655,8 @@
               </a:spcBef>
             </a:pPr>
             <a:endParaRPr sz="2050">
-              <a:latin typeface="Arial"/>
-              <a:cs typeface="Arial"/>
+              <a:latin typeface="Arial" panose="020B0604020202020204"/>
+              <a:cs typeface="Arial" panose="020B0604020202020204"/>
             </a:endParaRPr>
           </a:p>
           <a:p>
@@ -4740,28 +4667,28 @@
             </a:pPr>
             <a:r>
               <a:rPr sz="2800" b="1" spc="-5" dirty="0">
-                <a:latin typeface="Arial"/>
-                <a:cs typeface="Arial"/>
+                <a:latin typeface="Arial" panose="020B0604020202020204"/>
+                <a:cs typeface="Arial" panose="020B0604020202020204"/>
               </a:rPr>
               <a:t>Rounded</a:t>
             </a:r>
             <a:r>
               <a:rPr sz="2800" b="1" spc="-45" dirty="0">
-                <a:latin typeface="Arial"/>
-                <a:cs typeface="Arial"/>
+                <a:latin typeface="Arial" panose="020B0604020202020204"/>
+                <a:cs typeface="Arial" panose="020B0604020202020204"/>
               </a:rPr>
               <a:t> </a:t>
             </a:r>
             <a:r>
               <a:rPr sz="2800" b="1" spc="-5" dirty="0">
-                <a:latin typeface="Arial"/>
-                <a:cs typeface="Arial"/>
+                <a:latin typeface="Arial" panose="020B0604020202020204"/>
+                <a:cs typeface="Arial" panose="020B0604020202020204"/>
               </a:rPr>
               <a:t>Corners</a:t>
             </a:r>
             <a:endParaRPr sz="2800">
-              <a:latin typeface="Arial"/>
-              <a:cs typeface="Arial"/>
+              <a:latin typeface="Arial" panose="020B0604020202020204"/>
+              <a:cs typeface="Arial" panose="020B0604020202020204"/>
             </a:endParaRPr>
           </a:p>
         </p:txBody>
@@ -4783,8 +4710,6 @@
           <a:p>
             <a:fld id="{B6F15528-21DE-4FAA-801E-634DDDAF4B2B}" type="slidenum">
               <a:rPr lang="en-US" smtClean="0"/>
-              <a:pPr/>
-              <a:t>5</a:t>
             </a:fld>
             <a:endParaRPr lang="en-US"/>
           </a:p>
@@ -4860,6 +4785,7 @@
               <a:rPr spc="-5" dirty="0"/>
               <a:t>Corners</a:t>
             </a:r>
+            <a:endParaRPr spc="-5" dirty="0"/>
           </a:p>
         </p:txBody>
       </p:sp>
@@ -4871,8 +4797,8 @@
         </p:nvGrpSpPr>
         <p:grpSpPr>
           <a:xfrm>
-            <a:off x="1481137" y="1595437"/>
-            <a:ext cx="6181725" cy="3971925"/>
+            <a:off x="1480820" y="1595120"/>
+            <a:ext cx="7118350" cy="3971925"/>
             <a:chOff x="1481137" y="1595437"/>
             <a:chExt cx="6181725" cy="3971925"/>
           </a:xfrm>
@@ -4922,9 +4848,7 @@
           <p:txBody>
             <a:bodyPr wrap="square" lIns="0" tIns="0" rIns="0" bIns="0" rtlCol="0"/>
             <a:lstStyle/>
-            <a:p>
-              <a:endParaRPr/>
-            </a:p>
+            <a:p/>
           </p:txBody>
         </p:sp>
         <p:sp>
@@ -4974,9 +4898,7 @@
           <p:txBody>
             <a:bodyPr wrap="square" lIns="0" tIns="0" rIns="0" bIns="0" rtlCol="0"/>
             <a:lstStyle/>
-            <a:p>
-              <a:endParaRPr/>
-            </a:p>
+            <a:p/>
           </p:txBody>
         </p:sp>
       </p:grpSp>
@@ -5011,14 +4933,14 @@
             </a:pPr>
             <a:r>
               <a:rPr sz="1800" dirty="0">
-                <a:latin typeface="Consolas"/>
-                <a:cs typeface="Consolas"/>
+                <a:latin typeface="Consolas" panose="020B0609020204030204"/>
+                <a:cs typeface="Consolas" panose="020B0609020204030204"/>
               </a:rPr>
               <a:t>2em;</a:t>
             </a:r>
             <a:endParaRPr sz="1800">
-              <a:latin typeface="Consolas"/>
-              <a:cs typeface="Consolas"/>
+              <a:latin typeface="Consolas" panose="020B0609020204030204"/>
+              <a:cs typeface="Consolas" panose="020B0609020204030204"/>
             </a:endParaRPr>
           </a:p>
         </p:txBody>
@@ -5031,8 +4953,8 @@
         </p:nvSpPr>
         <p:spPr>
           <a:xfrm>
-            <a:off x="1577339" y="1585976"/>
-            <a:ext cx="2744470" cy="2319655"/>
+            <a:off x="1577340" y="1586230"/>
+            <a:ext cx="2933700" cy="2325370"/>
           </a:xfrm>
           <a:prstGeom prst="rect">
             <a:avLst/>
@@ -5054,28 +4976,28 @@
             </a:pPr>
             <a:r>
               <a:rPr sz="1800" dirty="0">
-                <a:latin typeface="Consolas"/>
-                <a:cs typeface="Consolas"/>
+                <a:latin typeface="Consolas" panose="020B0609020204030204"/>
+                <a:cs typeface="Consolas" panose="020B0609020204030204"/>
               </a:rPr>
               <a:t>.softCorners</a:t>
             </a:r>
             <a:r>
               <a:rPr sz="1800" spc="-65" dirty="0">
-                <a:latin typeface="Consolas"/>
-                <a:cs typeface="Consolas"/>
+                <a:latin typeface="Consolas" panose="020B0609020204030204"/>
+                <a:cs typeface="Consolas" panose="020B0609020204030204"/>
               </a:rPr>
               <a:t> </a:t>
             </a:r>
             <a:r>
               <a:rPr sz="1800" dirty="0">
-                <a:latin typeface="Consolas"/>
-                <a:cs typeface="Consolas"/>
+                <a:latin typeface="Consolas" panose="020B0609020204030204"/>
+                <a:cs typeface="Consolas" panose="020B0609020204030204"/>
               </a:rPr>
               <a:t>{</a:t>
             </a:r>
             <a:endParaRPr sz="1800">
-              <a:latin typeface="Consolas"/>
-              <a:cs typeface="Consolas"/>
+              <a:latin typeface="Consolas" panose="020B0609020204030204"/>
+              <a:cs typeface="Consolas" panose="020B0609020204030204"/>
             </a:endParaRPr>
           </a:p>
           <a:p>
@@ -5092,14 +5014,14 @@
             </a:pPr>
             <a:r>
               <a:rPr sz="1800" spc="-125" dirty="0">
-                <a:latin typeface="Consolas"/>
-                <a:cs typeface="Consolas"/>
+                <a:latin typeface="Consolas" panose="020B0609020204030204"/>
+                <a:cs typeface="Consolas" panose="020B0609020204030204"/>
               </a:rPr>
               <a:t>border-­‐radius:	5%;</a:t>
             </a:r>
             <a:endParaRPr sz="1800">
-              <a:latin typeface="Consolas"/>
-              <a:cs typeface="Consolas"/>
+              <a:latin typeface="Consolas" panose="020B0609020204030204"/>
+              <a:cs typeface="Consolas" panose="020B0609020204030204"/>
             </a:endParaRPr>
           </a:p>
           <a:p>
@@ -5113,46 +5035,71 @@
             </a:pPr>
             <a:r>
               <a:rPr sz="1800" dirty="0">
-                <a:latin typeface="Consolas"/>
-                <a:cs typeface="Consolas"/>
+                <a:latin typeface="Consolas" panose="020B0609020204030204"/>
+                <a:cs typeface="Consolas" panose="020B0609020204030204"/>
               </a:rPr>
               <a:t>}</a:t>
             </a:r>
             <a:endParaRPr sz="1800">
-              <a:latin typeface="Consolas"/>
-              <a:cs typeface="Consolas"/>
+              <a:latin typeface="Consolas" panose="020B0609020204030204"/>
+              <a:cs typeface="Consolas" panose="020B0609020204030204"/>
             </a:endParaRPr>
           </a:p>
           <a:p>
             <a:pPr marL="342265" marR="633095" indent="-342900">
               <a:lnSpc>
-                <a:spcPct val="120400"/>
+                <a:spcPct val="120000"/>
               </a:lnSpc>
             </a:pPr>
             <a:r>
               <a:rPr sz="1800" dirty="0">
-                <a:latin typeface="Consolas"/>
-                <a:cs typeface="Consolas"/>
+                <a:latin typeface="Consolas" panose="020B0609020204030204"/>
+                <a:cs typeface="Consolas" panose="020B0609020204030204"/>
               </a:rPr>
               <a:t>.roundUp { </a:t>
             </a:r>
             <a:r>
               <a:rPr sz="1800" spc="5" dirty="0">
-                <a:latin typeface="Consolas"/>
-                <a:cs typeface="Consolas"/>
+                <a:latin typeface="Consolas" panose="020B0609020204030204"/>
+                <a:cs typeface="Consolas" panose="020B0609020204030204"/>
               </a:rPr>
               <a:t> </a:t>
             </a:r>
+            <a:endParaRPr sz="1800" spc="5" dirty="0">
+              <a:latin typeface="Consolas" panose="020B0609020204030204"/>
+              <a:cs typeface="Consolas" panose="020B0609020204030204"/>
+            </a:endParaRPr>
+          </a:p>
+          <a:p>
+            <a:pPr marL="342265" marR="633095" indent="-342900">
+              <a:lnSpc>
+                <a:spcPct val="120000"/>
+              </a:lnSpc>
+            </a:pPr>
+            <a:r>
+              <a:rPr sz="1800" spc="5" dirty="0">
+                <a:latin typeface="Consolas" panose="020B0609020204030204"/>
+                <a:cs typeface="Consolas" panose="020B0609020204030204"/>
+              </a:rPr>
+              <a:t> </a:t>
+            </a:r>
+            <a:r>
+              <a:rPr lang="en-US" sz="1800" spc="5" dirty="0">
+                <a:latin typeface="Consolas" panose="020B0609020204030204"/>
+                <a:cs typeface="Consolas" panose="020B0609020204030204"/>
+              </a:rPr>
+              <a:t> </a:t>
+            </a:r>
             <a:r>
               <a:rPr sz="1800" spc="-125" dirty="0">
-                <a:latin typeface="Consolas"/>
-                <a:cs typeface="Consolas"/>
+                <a:latin typeface="Consolas" panose="020B0609020204030204"/>
+                <a:cs typeface="Consolas" panose="020B0609020204030204"/>
               </a:rPr>
               <a:t>border-­‐radius:</a:t>
             </a:r>
             <a:endParaRPr sz="1800">
-              <a:latin typeface="Consolas"/>
-              <a:cs typeface="Consolas"/>
+              <a:latin typeface="Consolas" panose="020B0609020204030204"/>
+              <a:cs typeface="Consolas" panose="020B0609020204030204"/>
             </a:endParaRPr>
           </a:p>
           <a:p>
@@ -5166,14 +5113,14 @@
             </a:pPr>
             <a:r>
               <a:rPr sz="1800" dirty="0">
-                <a:latin typeface="Consolas"/>
-                <a:cs typeface="Consolas"/>
+                <a:latin typeface="Consolas" panose="020B0609020204030204"/>
+                <a:cs typeface="Consolas" panose="020B0609020204030204"/>
               </a:rPr>
               <a:t>}</a:t>
             </a:r>
             <a:endParaRPr sz="1800">
-              <a:latin typeface="Consolas"/>
-              <a:cs typeface="Consolas"/>
+              <a:latin typeface="Consolas" panose="020B0609020204030204"/>
+              <a:cs typeface="Consolas" panose="020B0609020204030204"/>
             </a:endParaRPr>
           </a:p>
           <a:p>
@@ -5187,28 +5134,28 @@
             </a:pPr>
             <a:r>
               <a:rPr sz="1800" dirty="0">
-                <a:latin typeface="Consolas"/>
-                <a:cs typeface="Consolas"/>
+                <a:latin typeface="Consolas" panose="020B0609020204030204"/>
+                <a:cs typeface="Consolas" panose="020B0609020204030204"/>
               </a:rPr>
               <a:t>.sameAsRoundUp</a:t>
             </a:r>
             <a:r>
               <a:rPr sz="1800" spc="-65" dirty="0">
-                <a:latin typeface="Consolas"/>
-                <a:cs typeface="Consolas"/>
+                <a:latin typeface="Consolas" panose="020B0609020204030204"/>
+                <a:cs typeface="Consolas" panose="020B0609020204030204"/>
               </a:rPr>
               <a:t> </a:t>
             </a:r>
             <a:r>
               <a:rPr sz="1800" dirty="0">
-                <a:latin typeface="Consolas"/>
-                <a:cs typeface="Consolas"/>
+                <a:latin typeface="Consolas" panose="020B0609020204030204"/>
+                <a:cs typeface="Consolas" panose="020B0609020204030204"/>
               </a:rPr>
               <a:t>{</a:t>
             </a:r>
             <a:endParaRPr sz="1800">
-              <a:latin typeface="Consolas"/>
-              <a:cs typeface="Consolas"/>
+              <a:latin typeface="Consolas" panose="020B0609020204030204"/>
+              <a:cs typeface="Consolas" panose="020B0609020204030204"/>
             </a:endParaRPr>
           </a:p>
         </p:txBody>
@@ -5236,7 +5183,7 @@
           <a:p>
             <a:pPr marL="342265" marR="5080">
               <a:lnSpc>
-                <a:spcPct val="99800"/>
+                <a:spcPct val="100000"/>
               </a:lnSpc>
               <a:spcBef>
                 <a:spcPts val="105"/>
@@ -5244,49 +5191,49 @@
             </a:pPr>
             <a:r>
               <a:rPr sz="1800" spc="-180" dirty="0">
-                <a:latin typeface="Consolas"/>
-                <a:cs typeface="Consolas"/>
+                <a:latin typeface="Consolas" panose="020B0609020204030204"/>
+                <a:cs typeface="Consolas" panose="020B0609020204030204"/>
               </a:rPr>
               <a:t>border-­‐top-­‐left-­‐radius:2em; </a:t>
             </a:r>
             <a:r>
               <a:rPr sz="1800" spc="-175" dirty="0">
-                <a:latin typeface="Consolas"/>
-                <a:cs typeface="Consolas"/>
+                <a:latin typeface="Consolas" panose="020B0609020204030204"/>
+                <a:cs typeface="Consolas" panose="020B0609020204030204"/>
               </a:rPr>
               <a:t> border-­‐top-­‐right-­‐radius:2em; </a:t>
             </a:r>
             <a:r>
               <a:rPr sz="1800" spc="-170" dirty="0">
-                <a:latin typeface="Consolas"/>
-                <a:cs typeface="Consolas"/>
+                <a:latin typeface="Consolas" panose="020B0609020204030204"/>
+                <a:cs typeface="Consolas" panose="020B0609020204030204"/>
               </a:rPr>
               <a:t> </a:t>
             </a:r>
             <a:r>
               <a:rPr sz="1800" spc="-165" dirty="0">
-                <a:latin typeface="Consolas"/>
-                <a:cs typeface="Consolas"/>
+                <a:latin typeface="Consolas" panose="020B0609020204030204"/>
+                <a:cs typeface="Consolas" panose="020B0609020204030204"/>
               </a:rPr>
               <a:t>border-­‐bottom-­‐right-­‐radius:2em; </a:t>
             </a:r>
             <a:r>
               <a:rPr sz="1800" spc="-975" dirty="0">
-                <a:latin typeface="Consolas"/>
-                <a:cs typeface="Consolas"/>
+                <a:latin typeface="Consolas" panose="020B0609020204030204"/>
+                <a:cs typeface="Consolas" panose="020B0609020204030204"/>
               </a:rPr>
               <a:t> </a:t>
             </a:r>
             <a:r>
               <a:rPr sz="1800" spc="-165" dirty="0">
-                <a:latin typeface="Consolas"/>
-                <a:cs typeface="Consolas"/>
+                <a:latin typeface="Consolas" panose="020B0609020204030204"/>
+                <a:cs typeface="Consolas" panose="020B0609020204030204"/>
               </a:rPr>
               <a:t>border-­‐bottom-­‐left-­‐radius:2em;</a:t>
             </a:r>
             <a:endParaRPr sz="1800">
-              <a:latin typeface="Consolas"/>
-              <a:cs typeface="Consolas"/>
+              <a:latin typeface="Consolas" panose="020B0609020204030204"/>
+              <a:cs typeface="Consolas" panose="020B0609020204030204"/>
             </a:endParaRPr>
           </a:p>
           <a:p>
@@ -5300,14 +5247,14 @@
             </a:pPr>
             <a:r>
               <a:rPr sz="1800" dirty="0">
-                <a:latin typeface="Consolas"/>
-                <a:cs typeface="Consolas"/>
+                <a:latin typeface="Consolas" panose="020B0609020204030204"/>
+                <a:cs typeface="Consolas" panose="020B0609020204030204"/>
               </a:rPr>
               <a:t>}</a:t>
             </a:r>
             <a:endParaRPr sz="1800">
-              <a:latin typeface="Consolas"/>
-              <a:cs typeface="Consolas"/>
+              <a:latin typeface="Consolas" panose="020B0609020204030204"/>
+              <a:cs typeface="Consolas" panose="020B0609020204030204"/>
             </a:endParaRPr>
           </a:p>
         </p:txBody>
@@ -5329,8 +5276,6 @@
           <a:p>
             <a:fld id="{B6F15528-21DE-4FAA-801E-634DDDAF4B2B}" type="slidenum">
               <a:rPr lang="en-US" smtClean="0"/>
-              <a:pPr/>
-              <a:t>6</a:t>
             </a:fld>
             <a:endParaRPr lang="en-US"/>
           </a:p>
@@ -5418,6 +5363,7 @@
               <a:rPr spc="-5" dirty="0"/>
               <a:t>Site</a:t>
             </a:r>
+            <a:endParaRPr spc="-5" dirty="0"/>
           </a:p>
         </p:txBody>
       </p:sp>
@@ -5574,9 +5520,7 @@
         <p:txBody>
           <a:bodyPr wrap="square" lIns="0" tIns="0" rIns="0" bIns="0" rtlCol="0"/>
           <a:lstStyle/>
-          <a:p>
-            <a:endParaRPr/>
-          </a:p>
+          <a:p/>
         </p:txBody>
       </p:sp>
       <p:sp>
@@ -5613,14 +5557,14 @@
                 <a:solidFill>
                   <a:srgbClr val="FFFFFF"/>
                 </a:solidFill>
-                <a:latin typeface="Arial"/>
-                <a:cs typeface="Arial"/>
+                <a:latin typeface="Arial" panose="020B0604020202020204"/>
+                <a:cs typeface="Arial" panose="020B0604020202020204"/>
               </a:rPr>
               <a:t>DEMO</a:t>
             </a:r>
             <a:endParaRPr sz="6500">
-              <a:latin typeface="Arial"/>
-              <a:cs typeface="Arial"/>
+              <a:latin typeface="Arial" panose="020B0604020202020204"/>
+              <a:cs typeface="Arial" panose="020B0604020202020204"/>
             </a:endParaRPr>
           </a:p>
         </p:txBody>
@@ -5642,8 +5586,6 @@
           <a:p>
             <a:fld id="{B6F15528-21DE-4FAA-801E-634DDDAF4B2B}" type="slidenum">
               <a:rPr lang="en-US" smtClean="0"/>
-              <a:pPr/>
-              <a:t>7</a:t>
             </a:fld>
             <a:endParaRPr lang="en-US"/>
           </a:p>
@@ -5770,14 +5712,14 @@
             </a:pPr>
             <a:r>
               <a:rPr sz="2800" b="1" spc="-5" dirty="0">
-                <a:latin typeface="Arial"/>
-                <a:cs typeface="Arial"/>
+                <a:latin typeface="Arial" panose="020B0604020202020204"/>
+                <a:cs typeface="Arial" panose="020B0604020202020204"/>
               </a:rPr>
               <a:t>Shadowing</a:t>
             </a:r>
             <a:endParaRPr sz="2800">
-              <a:latin typeface="Arial"/>
-              <a:cs typeface="Arial"/>
+              <a:latin typeface="Arial" panose="020B0604020202020204"/>
+              <a:cs typeface="Arial" panose="020B0604020202020204"/>
             </a:endParaRPr>
           </a:p>
         </p:txBody>
@@ -5799,8 +5741,6 @@
           <a:p>
             <a:fld id="{B6F15528-21DE-4FAA-801E-634DDDAF4B2B}" type="slidenum">
               <a:rPr lang="en-US" smtClean="0"/>
-              <a:pPr/>
-              <a:t>8</a:t>
             </a:fld>
             <a:endParaRPr lang="en-US"/>
           </a:p>
@@ -5876,6 +5816,7 @@
               <a:rPr spc="-5" dirty="0"/>
               <a:t>Shadows</a:t>
             </a:r>
+            <a:endParaRPr spc="-5" dirty="0"/>
           </a:p>
         </p:txBody>
       </p:sp>
@@ -5938,9 +5879,7 @@
           <p:txBody>
             <a:bodyPr wrap="square" lIns="0" tIns="0" rIns="0" bIns="0" rtlCol="0"/>
             <a:lstStyle/>
-            <a:p>
-              <a:endParaRPr/>
-            </a:p>
+            <a:p/>
           </p:txBody>
         </p:sp>
         <p:sp>
@@ -5990,9 +5929,7 @@
           <p:txBody>
             <a:bodyPr wrap="square" lIns="0" tIns="0" rIns="0" bIns="0" rtlCol="0"/>
             <a:lstStyle/>
-            <a:p>
-              <a:endParaRPr/>
-            </a:p>
+            <a:p/>
           </p:txBody>
         </p:sp>
         <p:pic>
@@ -6002,7 +5939,7 @@
             <p:nvPr/>
           </p:nvPicPr>
           <p:blipFill>
-            <a:blip r:embed="rId2" cstate="print"/>
+            <a:blip r:embed="rId1" cstate="print"/>
             <a:stretch>
               <a:fillRect/>
             </a:stretch>
@@ -6024,7 +5961,7 @@
             <p:nvPr/>
           </p:nvPicPr>
           <p:blipFill>
-            <a:blip r:embed="rId3" cstate="print"/>
+            <a:blip r:embed="rId2" cstate="print"/>
             <a:stretch>
               <a:fillRect/>
             </a:stretch>
@@ -6046,7 +5983,7 @@
             <p:nvPr/>
           </p:nvPicPr>
           <p:blipFill>
-            <a:blip r:embed="rId4" cstate="print"/>
+            <a:blip r:embed="rId3" cstate="print"/>
             <a:stretch>
               <a:fillRect/>
             </a:stretch>
@@ -6103,6 +6040,7 @@
               <a:rPr dirty="0"/>
               <a:t>{</a:t>
             </a:r>
+            <a:endParaRPr dirty="0"/>
           </a:p>
           <a:p>
             <a:pPr marL="354965">
@@ -6140,6 +6078,7 @@
               <a:rPr dirty="0"/>
               <a:t>#00000;</a:t>
             </a:r>
+            <a:endParaRPr dirty="0"/>
           </a:p>
           <a:p>
             <a:pPr marL="12700">
@@ -6154,6 +6093,7 @@
               <a:rPr dirty="0"/>
               <a:t>}</a:t>
             </a:r>
+            <a:endParaRPr dirty="0"/>
           </a:p>
           <a:p>
             <a:pPr marL="12700">
@@ -6176,6 +6116,7 @@
               <a:rPr dirty="0"/>
               <a:t>{</a:t>
             </a:r>
+            <a:endParaRPr dirty="0"/>
           </a:p>
           <a:p>
             <a:pPr marL="354965">
@@ -6197,6 +6138,7 @@
               <a:rPr spc="-330" dirty="0"/>
               <a:t>-­‐4px -­‐4px #00000;</a:t>
             </a:r>
+            <a:endParaRPr spc="-330" dirty="0"/>
           </a:p>
         </p:txBody>
       </p:sp>
@@ -6231,56 +6173,56 @@
             </a:pPr>
             <a:r>
               <a:rPr sz="1800" dirty="0">
-                <a:latin typeface="Consolas"/>
-                <a:cs typeface="Consolas"/>
+                <a:latin typeface="Consolas" panose="020B0609020204030204"/>
+                <a:cs typeface="Consolas" panose="020B0609020204030204"/>
               </a:rPr>
               <a:t>4px</a:t>
             </a:r>
             <a:r>
               <a:rPr sz="1800" spc="-40" dirty="0">
-                <a:latin typeface="Consolas"/>
-                <a:cs typeface="Consolas"/>
+                <a:latin typeface="Consolas" panose="020B0609020204030204"/>
+                <a:cs typeface="Consolas" panose="020B0609020204030204"/>
               </a:rPr>
               <a:t> </a:t>
             </a:r>
             <a:r>
               <a:rPr sz="1800" dirty="0">
-                <a:latin typeface="Consolas"/>
-                <a:cs typeface="Consolas"/>
+                <a:latin typeface="Consolas" panose="020B0609020204030204"/>
+                <a:cs typeface="Consolas" panose="020B0609020204030204"/>
               </a:rPr>
               <a:t>4px</a:t>
             </a:r>
             <a:r>
               <a:rPr sz="1800" spc="-30" dirty="0">
-                <a:latin typeface="Consolas"/>
-                <a:cs typeface="Consolas"/>
+                <a:latin typeface="Consolas" panose="020B0609020204030204"/>
+                <a:cs typeface="Consolas" panose="020B0609020204030204"/>
               </a:rPr>
               <a:t> </a:t>
             </a:r>
             <a:r>
               <a:rPr sz="1800" dirty="0">
-                <a:latin typeface="Consolas"/>
-                <a:cs typeface="Consolas"/>
+                <a:latin typeface="Consolas" panose="020B0609020204030204"/>
+                <a:cs typeface="Consolas" panose="020B0609020204030204"/>
               </a:rPr>
               <a:t>10px</a:t>
             </a:r>
             <a:r>
               <a:rPr sz="1800" spc="-35" dirty="0">
-                <a:latin typeface="Consolas"/>
-                <a:cs typeface="Consolas"/>
+                <a:latin typeface="Consolas" panose="020B0609020204030204"/>
+                <a:cs typeface="Consolas" panose="020B0609020204030204"/>
               </a:rPr>
               <a:t> </a:t>
             </a:r>
             <a:r>
               <a:rPr sz="1800" dirty="0">
-                <a:latin typeface="Consolas"/>
-                <a:cs typeface="Consolas"/>
+                <a:latin typeface="Consolas" panose="020B0609020204030204"/>
+                <a:cs typeface="Consolas" panose="020B0609020204030204"/>
               </a:rPr>
               <a:t>#00000;</a:t>
             </a:r>
             <a:endParaRPr sz="1800">
-              <a:latin typeface="Consolas"/>
-              <a:cs typeface="Consolas"/>
+              <a:latin typeface="Consolas" panose="020B0609020204030204"/>
+              <a:cs typeface="Consolas" panose="020B0609020204030204"/>
             </a:endParaRPr>
           </a:p>
         </p:txBody>
@@ -6316,60 +6258,60 @@
             </a:pPr>
             <a:r>
               <a:rPr sz="1800" dirty="0">
-                <a:latin typeface="Consolas"/>
-                <a:cs typeface="Consolas"/>
+                <a:latin typeface="Consolas" panose="020B0609020204030204"/>
+                <a:cs typeface="Consolas" panose="020B0609020204030204"/>
               </a:rPr>
               <a:t>}</a:t>
             </a:r>
             <a:endParaRPr sz="1800">
-              <a:latin typeface="Consolas"/>
-              <a:cs typeface="Consolas"/>
+              <a:latin typeface="Consolas" panose="020B0609020204030204"/>
+              <a:cs typeface="Consolas" panose="020B0609020204030204"/>
             </a:endParaRPr>
           </a:p>
           <a:p>
             <a:pPr marL="389255" marR="5080" indent="-377190">
               <a:lnSpc>
-                <a:spcPct val="120400"/>
+                <a:spcPct val="120000"/>
               </a:lnSpc>
             </a:pPr>
             <a:r>
               <a:rPr sz="1800" dirty="0">
-                <a:latin typeface="Consolas"/>
-                <a:cs typeface="Consolas"/>
+                <a:latin typeface="Consolas" panose="020B0609020204030204"/>
+                <a:cs typeface="Consolas" panose="020B0609020204030204"/>
               </a:rPr>
               <a:t>.shadeWithFade</a:t>
             </a:r>
             <a:r>
               <a:rPr sz="1800" spc="-100" dirty="0">
-                <a:latin typeface="Consolas"/>
-                <a:cs typeface="Consolas"/>
+                <a:latin typeface="Consolas" panose="020B0609020204030204"/>
+                <a:cs typeface="Consolas" panose="020B0609020204030204"/>
               </a:rPr>
               <a:t> </a:t>
             </a:r>
             <a:r>
               <a:rPr sz="1800" dirty="0">
-                <a:latin typeface="Consolas"/>
-                <a:cs typeface="Consolas"/>
+                <a:latin typeface="Consolas" panose="020B0609020204030204"/>
+                <a:cs typeface="Consolas" panose="020B0609020204030204"/>
               </a:rPr>
               <a:t>{ </a:t>
             </a:r>
             <a:r>
               <a:rPr sz="1800" spc="-980" dirty="0">
-                <a:latin typeface="Consolas"/>
-                <a:cs typeface="Consolas"/>
+                <a:latin typeface="Consolas" panose="020B0609020204030204"/>
+                <a:cs typeface="Consolas" panose="020B0609020204030204"/>
               </a:rPr>
               <a:t> </a:t>
             </a:r>
             <a:r>
               <a:rPr sz="1800" spc="-155" dirty="0">
-                <a:latin typeface="Consolas"/>
-                <a:cs typeface="Consolas"/>
+                <a:latin typeface="Consolas" panose="020B0609020204030204"/>
+                <a:cs typeface="Consolas" panose="020B0609020204030204"/>
               </a:rPr>
               <a:t>box-­‐shadow:</a:t>
             </a:r>
             <a:endParaRPr sz="1800">
-              <a:latin typeface="Consolas"/>
-              <a:cs typeface="Consolas"/>
+              <a:latin typeface="Consolas" panose="020B0609020204030204"/>
+              <a:cs typeface="Consolas" panose="020B0609020204030204"/>
             </a:endParaRPr>
           </a:p>
           <a:p>
@@ -6378,19 +6320,19 @@
                 <a:spcPct val="100000"/>
               </a:lnSpc>
               <a:spcBef>
-                <a:spcPts val="439"/>
+                <a:spcPts val="440"/>
               </a:spcBef>
             </a:pPr>
             <a:r>
               <a:rPr sz="1800" dirty="0">
-                <a:latin typeface="Consolas"/>
-                <a:cs typeface="Consolas"/>
+                <a:latin typeface="Consolas" panose="020B0609020204030204"/>
+                <a:cs typeface="Consolas" panose="020B0609020204030204"/>
               </a:rPr>
               <a:t>}</a:t>
             </a:r>
             <a:endParaRPr sz="1800">
-              <a:latin typeface="Consolas"/>
-              <a:cs typeface="Consolas"/>
+              <a:latin typeface="Consolas" panose="020B0609020204030204"/>
+              <a:cs typeface="Consolas" panose="020B0609020204030204"/>
             </a:endParaRPr>
           </a:p>
           <a:p>
@@ -6404,28 +6346,28 @@
             </a:pPr>
             <a:r>
               <a:rPr sz="1800" dirty="0">
-                <a:latin typeface="Consolas"/>
-                <a:cs typeface="Consolas"/>
+                <a:latin typeface="Consolas" panose="020B0609020204030204"/>
+                <a:cs typeface="Consolas" panose="020B0609020204030204"/>
               </a:rPr>
               <a:t>.glowing</a:t>
             </a:r>
             <a:r>
               <a:rPr sz="1800" spc="-65" dirty="0">
-                <a:latin typeface="Consolas"/>
-                <a:cs typeface="Consolas"/>
+                <a:latin typeface="Consolas" panose="020B0609020204030204"/>
+                <a:cs typeface="Consolas" panose="020B0609020204030204"/>
               </a:rPr>
               <a:t> </a:t>
             </a:r>
             <a:r>
               <a:rPr sz="1800" dirty="0">
-                <a:latin typeface="Consolas"/>
-                <a:cs typeface="Consolas"/>
+                <a:latin typeface="Consolas" panose="020B0609020204030204"/>
+                <a:cs typeface="Consolas" panose="020B0609020204030204"/>
               </a:rPr>
               <a:t>{</a:t>
             </a:r>
             <a:endParaRPr sz="1800">
-              <a:latin typeface="Consolas"/>
-              <a:cs typeface="Consolas"/>
+              <a:latin typeface="Consolas" panose="020B0609020204030204"/>
+              <a:cs typeface="Consolas" panose="020B0609020204030204"/>
             </a:endParaRPr>
           </a:p>
         </p:txBody>
@@ -6464,49 +6406,49 @@
             </a:pPr>
             <a:r>
               <a:rPr sz="1800" spc="-155" dirty="0">
-                <a:latin typeface="Consolas"/>
-                <a:cs typeface="Consolas"/>
+                <a:latin typeface="Consolas" panose="020B0609020204030204"/>
+                <a:cs typeface="Consolas" panose="020B0609020204030204"/>
               </a:rPr>
               <a:t>box-­‐shadow:	</a:t>
             </a:r>
             <a:r>
               <a:rPr sz="1800" dirty="0">
-                <a:latin typeface="Consolas"/>
-                <a:cs typeface="Consolas"/>
+                <a:latin typeface="Consolas" panose="020B0609020204030204"/>
+                <a:cs typeface="Consolas" panose="020B0609020204030204"/>
               </a:rPr>
               <a:t>0</a:t>
             </a:r>
             <a:r>
               <a:rPr sz="1800" spc="-50" dirty="0">
-                <a:latin typeface="Consolas"/>
-                <a:cs typeface="Consolas"/>
+                <a:latin typeface="Consolas" panose="020B0609020204030204"/>
+                <a:cs typeface="Consolas" panose="020B0609020204030204"/>
               </a:rPr>
               <a:t> </a:t>
             </a:r>
             <a:r>
               <a:rPr sz="1800" dirty="0">
-                <a:latin typeface="Consolas"/>
-                <a:cs typeface="Consolas"/>
+                <a:latin typeface="Consolas" panose="020B0609020204030204"/>
+                <a:cs typeface="Consolas" panose="020B0609020204030204"/>
               </a:rPr>
               <a:t>0</a:t>
             </a:r>
             <a:r>
               <a:rPr sz="1800" spc="-50" dirty="0">
-                <a:latin typeface="Consolas"/>
-                <a:cs typeface="Consolas"/>
+                <a:latin typeface="Consolas" panose="020B0609020204030204"/>
+                <a:cs typeface="Consolas" panose="020B0609020204030204"/>
               </a:rPr>
               <a:t> </a:t>
             </a:r>
             <a:r>
               <a:rPr sz="1800" dirty="0">
-                <a:latin typeface="Consolas"/>
-                <a:cs typeface="Consolas"/>
+                <a:latin typeface="Consolas" panose="020B0609020204030204"/>
+                <a:cs typeface="Consolas" panose="020B0609020204030204"/>
               </a:rPr>
               <a:t>10px</a:t>
             </a:r>
             <a:endParaRPr sz="1800">
-              <a:latin typeface="Consolas"/>
-              <a:cs typeface="Consolas"/>
+              <a:latin typeface="Consolas" panose="020B0609020204030204"/>
+              <a:cs typeface="Consolas" panose="020B0609020204030204"/>
             </a:endParaRPr>
           </a:p>
         </p:txBody>
@@ -6900,9 +6842,7 @@
           <p:txBody>
             <a:bodyPr wrap="square" lIns="0" tIns="0" rIns="0" bIns="0" rtlCol="0"/>
             <a:lstStyle/>
-            <a:p>
-              <a:endParaRPr/>
-            </a:p>
+            <a:p/>
           </p:txBody>
         </p:sp>
         <p:pic>
@@ -6912,7 +6852,7 @@
             <p:nvPr/>
           </p:nvPicPr>
           <p:blipFill>
-            <a:blip r:embed="rId5" cstate="print"/>
+            <a:blip r:embed="rId4" cstate="print"/>
             <a:stretch>
               <a:fillRect/>
             </a:stretch>
@@ -6934,7 +6874,7 @@
             <p:nvPr/>
           </p:nvPicPr>
           <p:blipFill>
-            <a:blip r:embed="rId6" cstate="print"/>
+            <a:blip r:embed="rId5" cstate="print"/>
             <a:stretch>
               <a:fillRect/>
             </a:stretch>
@@ -6981,14 +6921,14 @@
             </a:pPr>
             <a:r>
               <a:rPr sz="1800" dirty="0">
-                <a:latin typeface="Consolas"/>
-                <a:cs typeface="Consolas"/>
+                <a:latin typeface="Consolas" panose="020B0609020204030204"/>
+                <a:cs typeface="Consolas" panose="020B0609020204030204"/>
               </a:rPr>
               <a:t>#44FF44;</a:t>
             </a:r>
             <a:endParaRPr sz="1800">
-              <a:latin typeface="Consolas"/>
-              <a:cs typeface="Consolas"/>
+              <a:latin typeface="Consolas" panose="020B0609020204030204"/>
+              <a:cs typeface="Consolas" panose="020B0609020204030204"/>
             </a:endParaRPr>
           </a:p>
         </p:txBody>
@@ -7024,14 +6964,14 @@
             </a:pPr>
             <a:r>
               <a:rPr sz="1800" dirty="0">
-                <a:latin typeface="Consolas"/>
-                <a:cs typeface="Consolas"/>
+                <a:latin typeface="Consolas" panose="020B0609020204030204"/>
+                <a:cs typeface="Consolas" panose="020B0609020204030204"/>
               </a:rPr>
               <a:t>}</a:t>
             </a:r>
             <a:endParaRPr sz="1800">
-              <a:latin typeface="Consolas"/>
-              <a:cs typeface="Consolas"/>
+              <a:latin typeface="Consolas" panose="020B0609020204030204"/>
+              <a:cs typeface="Consolas" panose="020B0609020204030204"/>
             </a:endParaRPr>
           </a:p>
         </p:txBody>
@@ -7053,8 +6993,6 @@
           <a:p>
             <a:fld id="{B6F15528-21DE-4FAA-801E-634DDDAF4B2B}" type="slidenum">
               <a:rPr lang="en-US" smtClean="0"/>
-              <a:pPr/>
-              <a:t>9</a:t>
             </a:fld>
             <a:endParaRPr lang="en-US"/>
           </a:p>
@@ -7353,8 +7291,11 @@
       </a:bgFillStyleLst>
     </a:fmtScheme>
   </a:themeElements>
-  <a:objectDefaults/>
-  <a:extraClrSchemeLst/>
+  <a:extLst>
+    <a:ext uri="{05A4C25C-085E-4340-85A3-A5531E510DB2}">
+      <thm15:themeFamily xmlns:thm15="http://schemas.microsoft.com/office/thememl/2012/main" name="Office Theme" id="{62F939B6-93AF-4DB8-9C6B-D6C7DFDC589F}" vid="{4A3C46E8-61CC-4603-A589-7422A47A8E4A}"/>
+    </a:ext>
+  </a:extLst>
 </a:theme>
 </file>
 
@@ -7636,7 +7577,10 @@
       </a:bgFillStyleLst>
     </a:fmtScheme>
   </a:themeElements>
-  <a:objectDefaults/>
-  <a:extraClrSchemeLst/>
+  <a:extLst>
+    <a:ext uri="{05A4C25C-085E-4340-85A3-A5531E510DB2}">
+      <thm15:themeFamily xmlns:thm15="http://schemas.microsoft.com/office/thememl/2012/main" name="Office Theme" id="{62F939B6-93AF-4DB8-9C6B-D6C7DFDC589F}" vid="{4A3C46E8-61CC-4603-A589-7422A47A8E4A}"/>
+    </a:ext>
+  </a:extLst>
 </a:theme>
 </file>